--- a/Powerpoints/Figure 10 How Circuit Works.pptx
+++ b/Powerpoints/Figure 10 How Circuit Works.pptx
@@ -270,7 +270,7 @@
           <a:p>
             <a:fld id="{076BF45A-7984-40DA-8289-A23BE5E768B3}" type="datetimeFigureOut">
               <a:rPr lang="en-US" smtClean="0"/>
-              <a:t>11/5/2022</a:t>
+              <a:t>11/16/2022</a:t>
             </a:fld>
             <a:endParaRPr lang="en-US"/>
           </a:p>
@@ -468,7 +468,7 @@
           <a:p>
             <a:fld id="{076BF45A-7984-40DA-8289-A23BE5E768B3}" type="datetimeFigureOut">
               <a:rPr lang="en-US" smtClean="0"/>
-              <a:t>11/5/2022</a:t>
+              <a:t>11/16/2022</a:t>
             </a:fld>
             <a:endParaRPr lang="en-US"/>
           </a:p>
@@ -676,7 +676,7 @@
           <a:p>
             <a:fld id="{076BF45A-7984-40DA-8289-A23BE5E768B3}" type="datetimeFigureOut">
               <a:rPr lang="en-US" smtClean="0"/>
-              <a:t>11/5/2022</a:t>
+              <a:t>11/16/2022</a:t>
             </a:fld>
             <a:endParaRPr lang="en-US"/>
           </a:p>
@@ -874,7 +874,7 @@
           <a:p>
             <a:fld id="{076BF45A-7984-40DA-8289-A23BE5E768B3}" type="datetimeFigureOut">
               <a:rPr lang="en-US" smtClean="0"/>
-              <a:t>11/5/2022</a:t>
+              <a:t>11/16/2022</a:t>
             </a:fld>
             <a:endParaRPr lang="en-US"/>
           </a:p>
@@ -1149,7 +1149,7 @@
           <a:p>
             <a:fld id="{076BF45A-7984-40DA-8289-A23BE5E768B3}" type="datetimeFigureOut">
               <a:rPr lang="en-US" smtClean="0"/>
-              <a:t>11/5/2022</a:t>
+              <a:t>11/16/2022</a:t>
             </a:fld>
             <a:endParaRPr lang="en-US"/>
           </a:p>
@@ -1414,7 +1414,7 @@
           <a:p>
             <a:fld id="{076BF45A-7984-40DA-8289-A23BE5E768B3}" type="datetimeFigureOut">
               <a:rPr lang="en-US" smtClean="0"/>
-              <a:t>11/5/2022</a:t>
+              <a:t>11/16/2022</a:t>
             </a:fld>
             <a:endParaRPr lang="en-US"/>
           </a:p>
@@ -1826,7 +1826,7 @@
           <a:p>
             <a:fld id="{076BF45A-7984-40DA-8289-A23BE5E768B3}" type="datetimeFigureOut">
               <a:rPr lang="en-US" smtClean="0"/>
-              <a:t>11/5/2022</a:t>
+              <a:t>11/16/2022</a:t>
             </a:fld>
             <a:endParaRPr lang="en-US"/>
           </a:p>
@@ -1967,7 +1967,7 @@
           <a:p>
             <a:fld id="{076BF45A-7984-40DA-8289-A23BE5E768B3}" type="datetimeFigureOut">
               <a:rPr lang="en-US" smtClean="0"/>
-              <a:t>11/5/2022</a:t>
+              <a:t>11/16/2022</a:t>
             </a:fld>
             <a:endParaRPr lang="en-US"/>
           </a:p>
@@ -2080,7 +2080,7 @@
           <a:p>
             <a:fld id="{076BF45A-7984-40DA-8289-A23BE5E768B3}" type="datetimeFigureOut">
               <a:rPr lang="en-US" smtClean="0"/>
-              <a:t>11/5/2022</a:t>
+              <a:t>11/16/2022</a:t>
             </a:fld>
             <a:endParaRPr lang="en-US"/>
           </a:p>
@@ -2391,7 +2391,7 @@
           <a:p>
             <a:fld id="{076BF45A-7984-40DA-8289-A23BE5E768B3}" type="datetimeFigureOut">
               <a:rPr lang="en-US" smtClean="0"/>
-              <a:t>11/5/2022</a:t>
+              <a:t>11/16/2022</a:t>
             </a:fld>
             <a:endParaRPr lang="en-US"/>
           </a:p>
@@ -2679,7 +2679,7 @@
           <a:p>
             <a:fld id="{076BF45A-7984-40DA-8289-A23BE5E768B3}" type="datetimeFigureOut">
               <a:rPr lang="en-US" smtClean="0"/>
-              <a:t>11/5/2022</a:t>
+              <a:t>11/16/2022</a:t>
             </a:fld>
             <a:endParaRPr lang="en-US"/>
           </a:p>
@@ -2920,7 +2920,7 @@
           <a:p>
             <a:fld id="{076BF45A-7984-40DA-8289-A23BE5E768B3}" type="datetimeFigureOut">
               <a:rPr lang="en-US" smtClean="0"/>
-              <a:t>11/5/2022</a:t>
+              <a:t>11/16/2022</a:t>
             </a:fld>
             <a:endParaRPr lang="en-US"/>
           </a:p>
@@ -3337,36 +3337,49 @@
           <a:chExt cx="0" cy="0"/>
         </a:xfrm>
       </p:grpSpPr>
-      <p:pic>
-        <p:nvPicPr>
-          <p:cNvPr id="11" name="Picture 10">
-            <a:extLst>
-              <a:ext uri="{FF2B5EF4-FFF2-40B4-BE49-F238E27FC236}">
-                <a16:creationId xmlns:a16="http://schemas.microsoft.com/office/drawing/2014/main" id="{1371127D-C268-7056-4160-6F87DE3623A0}"/>
-              </a:ext>
-            </a:extLst>
-          </p:cNvPr>
-          <p:cNvPicPr>
-            <a:picLocks noChangeAspect="1"/>
-          </p:cNvPicPr>
+      <p:cxnSp>
+        <p:nvCxnSpPr>
+          <p:cNvPr id="39" name="Straight Connector 38">
+            <a:extLst>
+              <a:ext uri="{FF2B5EF4-FFF2-40B4-BE49-F238E27FC236}">
+                <a16:creationId xmlns:a16="http://schemas.microsoft.com/office/drawing/2014/main" id="{1CD33715-88EE-42D6-DBF0-63C50F0FF7F5}"/>
+              </a:ext>
+            </a:extLst>
+          </p:cNvPr>
+          <p:cNvCxnSpPr>
+            <a:cxnSpLocks/>
+          </p:cNvCxnSpPr>
           <p:nvPr/>
-        </p:nvPicPr>
-        <p:blipFill>
-          <a:blip r:embed="rId2"/>
-          <a:stretch>
-            <a:fillRect/>
-          </a:stretch>
-        </p:blipFill>
+        </p:nvCxnSpPr>
         <p:spPr>
-          <a:xfrm rot="16200000" flipH="1">
-            <a:off x="6696421" y="698487"/>
-            <a:ext cx="806435" cy="387737"/>
+          <a:xfrm>
+            <a:off x="6296564" y="4499798"/>
+            <a:ext cx="0" cy="359815"/>
           </a:xfrm>
-          <a:prstGeom prst="rect">
+          <a:prstGeom prst="line">
             <a:avLst/>
           </a:prstGeom>
+          <a:ln w="50800">
+            <a:solidFill>
+              <a:schemeClr val="tx1"/>
+            </a:solidFill>
+          </a:ln>
         </p:spPr>
-      </p:pic>
+        <p:style>
+          <a:lnRef idx="1">
+            <a:schemeClr val="accent1"/>
+          </a:lnRef>
+          <a:fillRef idx="0">
+            <a:schemeClr val="accent1"/>
+          </a:fillRef>
+          <a:effectRef idx="0">
+            <a:schemeClr val="accent1"/>
+          </a:effectRef>
+          <a:fontRef idx="minor">
+            <a:schemeClr val="tx1"/>
+          </a:fontRef>
+        </p:style>
+      </p:cxnSp>
       <p:cxnSp>
         <p:nvCxnSpPr>
           <p:cNvPr id="52" name="Straight Connector 51">
@@ -3378,7 +3391,6 @@
           </p:cNvPr>
           <p:cNvCxnSpPr>
             <a:cxnSpLocks/>
-            <a:endCxn id="11" idx="1"/>
           </p:cNvCxnSpPr>
           <p:nvPr/>
         </p:nvCxnSpPr>
@@ -3390,7 +3402,7 @@
           <a:prstGeom prst="line">
             <a:avLst/>
           </a:prstGeom>
-          <a:ln w="47625">
+          <a:ln w="50800">
             <a:solidFill>
               <a:srgbClr val="FF0000"/>
             </a:solidFill>
@@ -3411,186 +3423,6 @@
           </a:fontRef>
         </p:style>
       </p:cxnSp>
-      <p:pic>
-        <p:nvPicPr>
-          <p:cNvPr id="2" name="Picture 1">
-            <a:extLst>
-              <a:ext uri="{FF2B5EF4-FFF2-40B4-BE49-F238E27FC236}">
-                <a16:creationId xmlns:a16="http://schemas.microsoft.com/office/drawing/2014/main" id="{2C041C01-E9F0-0939-D0B3-B1906D30DE41}"/>
-              </a:ext>
-            </a:extLst>
-          </p:cNvPr>
-          <p:cNvPicPr>
-            <a:picLocks noChangeAspect="1"/>
-          </p:cNvPicPr>
-          <p:nvPr/>
-        </p:nvPicPr>
-        <p:blipFill>
-          <a:blip r:embed="rId3"/>
-          <a:stretch>
-            <a:fillRect/>
-          </a:stretch>
-        </p:blipFill>
-        <p:spPr>
-          <a:xfrm rot="5400000">
-            <a:off x="4804497" y="2155196"/>
-            <a:ext cx="1031383" cy="431125"/>
-          </a:xfrm>
-          <a:prstGeom prst="rect">
-            <a:avLst/>
-          </a:prstGeom>
-        </p:spPr>
-      </p:pic>
-      <p:pic>
-        <p:nvPicPr>
-          <p:cNvPr id="4" name="Picture 3">
-            <a:extLst>
-              <a:ext uri="{FF2B5EF4-FFF2-40B4-BE49-F238E27FC236}">
-                <a16:creationId xmlns:a16="http://schemas.microsoft.com/office/drawing/2014/main" id="{AEE23BF4-A3EB-E2DF-CD09-9D8B1A2D12F4}"/>
-              </a:ext>
-            </a:extLst>
-          </p:cNvPr>
-          <p:cNvPicPr>
-            <a:picLocks noChangeAspect="1"/>
-          </p:cNvPicPr>
-          <p:nvPr/>
-        </p:nvPicPr>
-        <p:blipFill>
-          <a:blip r:embed="rId4"/>
-          <a:stretch>
-            <a:fillRect/>
-          </a:stretch>
-        </p:blipFill>
-        <p:spPr>
-          <a:xfrm flipH="1">
-            <a:off x="5020884" y="1022565"/>
-            <a:ext cx="431124" cy="1181445"/>
-          </a:xfrm>
-          <a:prstGeom prst="rect">
-            <a:avLst/>
-          </a:prstGeom>
-        </p:spPr>
-      </p:pic>
-      <p:pic>
-        <p:nvPicPr>
-          <p:cNvPr id="5" name="Picture 4">
-            <a:extLst>
-              <a:ext uri="{FF2B5EF4-FFF2-40B4-BE49-F238E27FC236}">
-                <a16:creationId xmlns:a16="http://schemas.microsoft.com/office/drawing/2014/main" id="{2993B937-BFBA-87C7-1DF4-F455440C6DC0}"/>
-              </a:ext>
-            </a:extLst>
-          </p:cNvPr>
-          <p:cNvPicPr>
-            <a:picLocks noChangeAspect="1"/>
-          </p:cNvPicPr>
-          <p:nvPr/>
-        </p:nvPicPr>
-        <p:blipFill>
-          <a:blip r:embed="rId3"/>
-          <a:stretch>
-            <a:fillRect/>
-          </a:stretch>
-        </p:blipFill>
-        <p:spPr>
-          <a:xfrm rot="16200000">
-            <a:off x="6499651" y="2091403"/>
-            <a:ext cx="1031383" cy="431125"/>
-          </a:xfrm>
-          <a:prstGeom prst="rect">
-            <a:avLst/>
-          </a:prstGeom>
-        </p:spPr>
-      </p:pic>
-      <p:pic>
-        <p:nvPicPr>
-          <p:cNvPr id="6" name="Picture 5">
-            <a:extLst>
-              <a:ext uri="{FF2B5EF4-FFF2-40B4-BE49-F238E27FC236}">
-                <a16:creationId xmlns:a16="http://schemas.microsoft.com/office/drawing/2014/main" id="{376B121C-F2B4-FE6C-B5A9-173FEEAB7AD1}"/>
-              </a:ext>
-            </a:extLst>
-          </p:cNvPr>
-          <p:cNvPicPr>
-            <a:picLocks noChangeAspect="1"/>
-          </p:cNvPicPr>
-          <p:nvPr/>
-        </p:nvPicPr>
-        <p:blipFill>
-          <a:blip r:embed="rId4"/>
-          <a:stretch>
-            <a:fillRect/>
-          </a:stretch>
-        </p:blipFill>
-        <p:spPr>
-          <a:xfrm rot="10800000" flipH="1">
-            <a:off x="6905769" y="1022564"/>
-            <a:ext cx="373213" cy="1022747"/>
-          </a:xfrm>
-          <a:prstGeom prst="rect">
-            <a:avLst/>
-          </a:prstGeom>
-        </p:spPr>
-      </p:pic>
-      <p:pic>
-        <p:nvPicPr>
-          <p:cNvPr id="8" name="Picture 7">
-            <a:extLst>
-              <a:ext uri="{FF2B5EF4-FFF2-40B4-BE49-F238E27FC236}">
-                <a16:creationId xmlns:a16="http://schemas.microsoft.com/office/drawing/2014/main" id="{E2C95203-7724-5E3C-9D7F-9F71C817867B}"/>
-              </a:ext>
-            </a:extLst>
-          </p:cNvPr>
-          <p:cNvPicPr>
-            <a:picLocks noChangeAspect="1"/>
-          </p:cNvPicPr>
-          <p:nvPr/>
-        </p:nvPicPr>
-        <p:blipFill>
-          <a:blip r:embed="rId5"/>
-          <a:stretch>
-            <a:fillRect/>
-          </a:stretch>
-        </p:blipFill>
-        <p:spPr>
-          <a:xfrm rot="16200000">
-            <a:off x="4557586" y="3977712"/>
-            <a:ext cx="1242699" cy="1408167"/>
-          </a:xfrm>
-          <a:prstGeom prst="rect">
-            <a:avLst/>
-          </a:prstGeom>
-        </p:spPr>
-      </p:pic>
-      <p:pic>
-        <p:nvPicPr>
-          <p:cNvPr id="10" name="Picture 9">
-            <a:extLst>
-              <a:ext uri="{FF2B5EF4-FFF2-40B4-BE49-F238E27FC236}">
-                <a16:creationId xmlns:a16="http://schemas.microsoft.com/office/drawing/2014/main" id="{557E8D7E-8D02-0E48-863D-F10D8EAAF98F}"/>
-              </a:ext>
-            </a:extLst>
-          </p:cNvPr>
-          <p:cNvPicPr>
-            <a:picLocks noChangeAspect="1"/>
-          </p:cNvPicPr>
-          <p:nvPr/>
-        </p:nvPicPr>
-        <p:blipFill>
-          <a:blip r:embed="rId2"/>
-          <a:stretch>
-            <a:fillRect/>
-          </a:stretch>
-        </p:blipFill>
-        <p:spPr>
-          <a:xfrm rot="16200000" flipH="1">
-            <a:off x="4858687" y="751876"/>
-            <a:ext cx="753989" cy="379290"/>
-          </a:xfrm>
-          <a:prstGeom prst="rect">
-            <a:avLst/>
-          </a:prstGeom>
-        </p:spPr>
-      </p:pic>
       <p:cxnSp>
         <p:nvCxnSpPr>
           <p:cNvPr id="14" name="Straight Connector 13">
@@ -3606,14 +3438,14 @@
           <p:nvPr/>
         </p:nvCxnSpPr>
         <p:spPr>
-          <a:xfrm>
-            <a:off x="4697506" y="3618563"/>
-            <a:ext cx="1170337" cy="0"/>
+          <a:xfrm flipV="1">
+            <a:off x="4692623" y="3614714"/>
+            <a:ext cx="1250824" cy="8464"/>
           </a:xfrm>
           <a:prstGeom prst="line">
             <a:avLst/>
           </a:prstGeom>
-          <a:ln w="31750">
+          <a:ln w="50800">
             <a:solidFill>
               <a:schemeClr val="tx1"/>
             </a:solidFill>
@@ -3650,273 +3482,13 @@
         </p:nvCxnSpPr>
         <p:spPr>
           <a:xfrm>
-            <a:off x="6570703" y="3639769"/>
-            <a:ext cx="1115308" cy="0"/>
+            <a:off x="6621729" y="3639769"/>
+            <a:ext cx="1090381" cy="8071"/>
           </a:xfrm>
           <a:prstGeom prst="line">
             <a:avLst/>
           </a:prstGeom>
-          <a:ln w="31750">
-            <a:solidFill>
-              <a:schemeClr val="tx1"/>
-            </a:solidFill>
-          </a:ln>
-        </p:spPr>
-        <p:style>
-          <a:lnRef idx="1">
-            <a:schemeClr val="accent1"/>
-          </a:lnRef>
-          <a:fillRef idx="0">
-            <a:schemeClr val="accent1"/>
-          </a:fillRef>
-          <a:effectRef idx="0">
-            <a:schemeClr val="accent1"/>
-          </a:effectRef>
-          <a:fontRef idx="minor">
-            <a:schemeClr val="tx1"/>
-          </a:fontRef>
-        </p:style>
-      </p:cxnSp>
-      <p:cxnSp>
-        <p:nvCxnSpPr>
-          <p:cNvPr id="17" name="Straight Connector 16">
-            <a:extLst>
-              <a:ext uri="{FF2B5EF4-FFF2-40B4-BE49-F238E27FC236}">
-                <a16:creationId xmlns:a16="http://schemas.microsoft.com/office/drawing/2014/main" id="{40890531-3058-2C3E-25EB-35EB4A55FF15}"/>
-              </a:ext>
-            </a:extLst>
-          </p:cNvPr>
-          <p:cNvCxnSpPr>
-            <a:cxnSpLocks/>
-            <a:endCxn id="31" idx="0"/>
-          </p:cNvCxnSpPr>
-          <p:nvPr/>
-        </p:nvCxnSpPr>
-        <p:spPr>
-          <a:xfrm>
-            <a:off x="6027702" y="3530433"/>
-            <a:ext cx="249597" cy="413433"/>
-          </a:xfrm>
-          <a:prstGeom prst="line">
-            <a:avLst/>
-          </a:prstGeom>
-          <a:ln w="31750">
-            <a:solidFill>
-              <a:srgbClr val="FF0000"/>
-            </a:solidFill>
-          </a:ln>
-        </p:spPr>
-        <p:style>
-          <a:lnRef idx="1">
-            <a:schemeClr val="accent1"/>
-          </a:lnRef>
-          <a:fillRef idx="0">
-            <a:schemeClr val="accent1"/>
-          </a:fillRef>
-          <a:effectRef idx="0">
-            <a:schemeClr val="accent1"/>
-          </a:effectRef>
-          <a:fontRef idx="minor">
-            <a:schemeClr val="tx1"/>
-          </a:fontRef>
-        </p:style>
-      </p:cxnSp>
-      <p:sp>
-        <p:nvSpPr>
-          <p:cNvPr id="23" name="TextBox 22">
-            <a:extLst>
-              <a:ext uri="{FF2B5EF4-FFF2-40B4-BE49-F238E27FC236}">
-                <a16:creationId xmlns:a16="http://schemas.microsoft.com/office/drawing/2014/main" id="{9A8807F7-A3BA-877D-F929-AA65A3AA609B}"/>
-              </a:ext>
-            </a:extLst>
-          </p:cNvPr>
-          <p:cNvSpPr txBox="1"/>
-          <p:nvPr/>
-        </p:nvSpPr>
-        <p:spPr>
-          <a:xfrm>
-            <a:off x="6507048" y="4020286"/>
-            <a:ext cx="2521890" cy="369332"/>
-          </a:xfrm>
-          <a:prstGeom prst="rect">
-            <a:avLst/>
-          </a:prstGeom>
-          <a:noFill/>
-        </p:spPr>
-        <p:txBody>
-          <a:bodyPr wrap="square" rtlCol="0">
-            <a:spAutoFit/>
-          </a:bodyPr>
-          <a:lstStyle/>
-          <a:p>
-            <a:r>
-              <a:rPr lang="en-US" dirty="0"/>
-              <a:t>SPDT switch (remote)</a:t>
-            </a:r>
-          </a:p>
-        </p:txBody>
-      </p:sp>
-      <p:sp>
-        <p:nvSpPr>
-          <p:cNvPr id="25" name="Oval 24">
-            <a:extLst>
-              <a:ext uri="{FF2B5EF4-FFF2-40B4-BE49-F238E27FC236}">
-                <a16:creationId xmlns:a16="http://schemas.microsoft.com/office/drawing/2014/main" id="{DC6A0997-ED2E-7B16-28C7-AB7B88126B83}"/>
-              </a:ext>
-            </a:extLst>
-          </p:cNvPr>
-          <p:cNvSpPr/>
-          <p:nvPr/>
-        </p:nvSpPr>
-        <p:spPr>
-          <a:xfrm>
-            <a:off x="5828766" y="3530433"/>
-            <a:ext cx="190831" cy="176260"/>
-          </a:xfrm>
-          <a:prstGeom prst="ellipse">
-            <a:avLst/>
-          </a:prstGeom>
-        </p:spPr>
-        <p:style>
-          <a:lnRef idx="2">
-            <a:schemeClr val="accent1">
-              <a:shade val="50000"/>
-            </a:schemeClr>
-          </a:lnRef>
-          <a:fillRef idx="1">
-            <a:schemeClr val="accent1"/>
-          </a:fillRef>
-          <a:effectRef idx="0">
-            <a:schemeClr val="accent1"/>
-          </a:effectRef>
-          <a:fontRef idx="minor">
-            <a:schemeClr val="lt1"/>
-          </a:fontRef>
-        </p:style>
-        <p:txBody>
-          <a:bodyPr rtlCol="0" anchor="ctr"/>
-          <a:lstStyle/>
-          <a:p>
-            <a:pPr algn="ctr"/>
-            <a:endParaRPr lang="en-US"/>
-          </a:p>
-        </p:txBody>
-      </p:sp>
-      <p:sp>
-        <p:nvSpPr>
-          <p:cNvPr id="30" name="Oval 29">
-            <a:extLst>
-              <a:ext uri="{FF2B5EF4-FFF2-40B4-BE49-F238E27FC236}">
-                <a16:creationId xmlns:a16="http://schemas.microsoft.com/office/drawing/2014/main" id="{62EDDF55-E2F6-7C9E-EA5D-92EA44E00703}"/>
-              </a:ext>
-            </a:extLst>
-          </p:cNvPr>
-          <p:cNvSpPr/>
-          <p:nvPr/>
-        </p:nvSpPr>
-        <p:spPr>
-          <a:xfrm>
-            <a:off x="6507048" y="3544403"/>
-            <a:ext cx="190831" cy="176260"/>
-          </a:xfrm>
-          <a:prstGeom prst="ellipse">
-            <a:avLst/>
-          </a:prstGeom>
-        </p:spPr>
-        <p:style>
-          <a:lnRef idx="2">
-            <a:schemeClr val="accent1">
-              <a:shade val="50000"/>
-            </a:schemeClr>
-          </a:lnRef>
-          <a:fillRef idx="1">
-            <a:schemeClr val="accent1"/>
-          </a:fillRef>
-          <a:effectRef idx="0">
-            <a:schemeClr val="accent1"/>
-          </a:effectRef>
-          <a:fontRef idx="minor">
-            <a:schemeClr val="lt1"/>
-          </a:fontRef>
-        </p:style>
-        <p:txBody>
-          <a:bodyPr rtlCol="0" anchor="ctr"/>
-          <a:lstStyle/>
-          <a:p>
-            <a:pPr algn="ctr"/>
-            <a:endParaRPr lang="en-US"/>
-          </a:p>
-        </p:txBody>
-      </p:sp>
-      <p:sp>
-        <p:nvSpPr>
-          <p:cNvPr id="31" name="Oval 30">
-            <a:extLst>
-              <a:ext uri="{FF2B5EF4-FFF2-40B4-BE49-F238E27FC236}">
-                <a16:creationId xmlns:a16="http://schemas.microsoft.com/office/drawing/2014/main" id="{AA294F2C-EC87-5CC3-4C3F-FCD4198FE8EB}"/>
-              </a:ext>
-            </a:extLst>
-          </p:cNvPr>
-          <p:cNvSpPr/>
-          <p:nvPr/>
-        </p:nvSpPr>
-        <p:spPr>
-          <a:xfrm>
-            <a:off x="6181883" y="3943866"/>
-            <a:ext cx="190831" cy="176260"/>
-          </a:xfrm>
-          <a:prstGeom prst="ellipse">
-            <a:avLst/>
-          </a:prstGeom>
-        </p:spPr>
-        <p:style>
-          <a:lnRef idx="2">
-            <a:schemeClr val="accent1">
-              <a:shade val="50000"/>
-            </a:schemeClr>
-          </a:lnRef>
-          <a:fillRef idx="1">
-            <a:schemeClr val="accent1"/>
-          </a:fillRef>
-          <a:effectRef idx="0">
-            <a:schemeClr val="accent1"/>
-          </a:effectRef>
-          <a:fontRef idx="minor">
-            <a:schemeClr val="lt1"/>
-          </a:fontRef>
-        </p:style>
-        <p:txBody>
-          <a:bodyPr rtlCol="0" anchor="ctr"/>
-          <a:lstStyle/>
-          <a:p>
-            <a:pPr algn="ctr"/>
-            <a:endParaRPr lang="en-US"/>
-          </a:p>
-        </p:txBody>
-      </p:sp>
-      <p:cxnSp>
-        <p:nvCxnSpPr>
-          <p:cNvPr id="53" name="Straight Connector 52">
-            <a:extLst>
-              <a:ext uri="{FF2B5EF4-FFF2-40B4-BE49-F238E27FC236}">
-                <a16:creationId xmlns:a16="http://schemas.microsoft.com/office/drawing/2014/main" id="{AC194363-AC5B-5768-C5C1-3C02BE13593B}"/>
-              </a:ext>
-            </a:extLst>
-          </p:cNvPr>
-          <p:cNvCxnSpPr>
-            <a:cxnSpLocks/>
-          </p:cNvCxnSpPr>
-          <p:nvPr/>
-        </p:nvCxnSpPr>
-        <p:spPr>
-          <a:xfrm flipV="1">
-            <a:off x="5683624" y="4818796"/>
-            <a:ext cx="585547" cy="5632"/>
-          </a:xfrm>
-          <a:prstGeom prst="line">
-            <a:avLst/>
-          </a:prstGeom>
-          <a:ln w="31750">
+          <a:ln w="50800">
             <a:solidFill>
               <a:schemeClr val="tx1"/>
             </a:solidFill>
@@ -3939,10 +3511,10 @@
       </p:cxnSp>
       <p:sp>
         <p:nvSpPr>
-          <p:cNvPr id="64" name="TextBox 63">
-            <a:extLst>
-              <a:ext uri="{FF2B5EF4-FFF2-40B4-BE49-F238E27FC236}">
-                <a16:creationId xmlns:a16="http://schemas.microsoft.com/office/drawing/2014/main" id="{4808EEE1-E87F-9EA0-D119-863F03C8FA90}"/>
+          <p:cNvPr id="23" name="TextBox 22">
+            <a:extLst>
+              <a:ext uri="{FF2B5EF4-FFF2-40B4-BE49-F238E27FC236}">
+                <a16:creationId xmlns:a16="http://schemas.microsoft.com/office/drawing/2014/main" id="{9A8807F7-A3BA-877D-F929-AA65A3AA609B}"/>
               </a:ext>
             </a:extLst>
           </p:cNvPr>
@@ -3951,8 +3523,8 @@
         </p:nvSpPr>
         <p:spPr>
           <a:xfrm>
-            <a:off x="2822731" y="2036111"/>
-            <a:ext cx="2521890" cy="369332"/>
+            <a:off x="4567618" y="4038656"/>
+            <a:ext cx="2157433" cy="369332"/>
           </a:xfrm>
           <a:prstGeom prst="rect">
             <a:avLst/>
@@ -3967,17 +3539,17 @@
           <a:p>
             <a:r>
               <a:rPr lang="en-US" dirty="0"/>
-              <a:t>Local Led (on the PCB)</a:t>
+              <a:t>SPDT switch</a:t>
             </a:r>
           </a:p>
         </p:txBody>
       </p:sp>
       <p:sp>
         <p:nvSpPr>
-          <p:cNvPr id="65" name="TextBox 64">
-            <a:extLst>
-              <a:ext uri="{FF2B5EF4-FFF2-40B4-BE49-F238E27FC236}">
-                <a16:creationId xmlns:a16="http://schemas.microsoft.com/office/drawing/2014/main" id="{D4CB5C8B-D8B5-8F66-1059-2F47110FEA12}"/>
+          <p:cNvPr id="67" name="TextBox 66">
+            <a:extLst>
+              <a:ext uri="{FF2B5EF4-FFF2-40B4-BE49-F238E27FC236}">
+                <a16:creationId xmlns:a16="http://schemas.microsoft.com/office/drawing/2014/main" id="{F6F8B8EF-A1EF-0B9C-7611-D7F2BC31766C}"/>
               </a:ext>
             </a:extLst>
           </p:cNvPr>
@@ -3986,8 +3558,8 @@
         </p:nvSpPr>
         <p:spPr>
           <a:xfrm>
-            <a:off x="2049794" y="1382895"/>
-            <a:ext cx="3246635" cy="369332"/>
+            <a:off x="4040820" y="4664331"/>
+            <a:ext cx="1867040" cy="369332"/>
           </a:xfrm>
           <a:prstGeom prst="rect">
             <a:avLst/>
@@ -4000,19 +3572,20 @@
           </a:bodyPr>
           <a:lstStyle/>
           <a:p>
+            <a:pPr algn="r"/>
             <a:r>
               <a:rPr lang="en-US" dirty="0"/>
-              <a:t>Rectifying diode  (on the PCB)</a:t>
+              <a:t>Back to Back LEDs</a:t>
             </a:r>
           </a:p>
         </p:txBody>
       </p:sp>
       <p:sp>
         <p:nvSpPr>
-          <p:cNvPr id="66" name="TextBox 65">
-            <a:extLst>
-              <a:ext uri="{FF2B5EF4-FFF2-40B4-BE49-F238E27FC236}">
-                <a16:creationId xmlns:a16="http://schemas.microsoft.com/office/drawing/2014/main" id="{216A2661-AA6D-4028-0034-50B1C0D48374}"/>
+          <p:cNvPr id="73" name="TextBox 72">
+            <a:extLst>
+              <a:ext uri="{FF2B5EF4-FFF2-40B4-BE49-F238E27FC236}">
+                <a16:creationId xmlns:a16="http://schemas.microsoft.com/office/drawing/2014/main" id="{33183D1F-2A37-BA88-E404-98CA2C3D4672}"/>
               </a:ext>
             </a:extLst>
           </p:cNvPr>
@@ -4021,8 +3594,8 @@
         </p:nvSpPr>
         <p:spPr>
           <a:xfrm>
-            <a:off x="1301147" y="803651"/>
-            <a:ext cx="3807146" cy="369332"/>
+            <a:off x="2568933" y="2724510"/>
+            <a:ext cx="1948578" cy="923330"/>
           </a:xfrm>
           <a:prstGeom prst="rect">
             <a:avLst/>
@@ -4035,226 +3608,24 @@
           </a:bodyPr>
           <a:lstStyle/>
           <a:p>
-            <a:r>
-              <a:rPr lang="en-US" dirty="0"/>
-              <a:t>Current Limiting Resistor (on the PCB)</a:t>
-            </a:r>
-          </a:p>
-        </p:txBody>
-      </p:sp>
-      <p:sp>
-        <p:nvSpPr>
-          <p:cNvPr id="67" name="TextBox 66">
-            <a:extLst>
-              <a:ext uri="{FF2B5EF4-FFF2-40B4-BE49-F238E27FC236}">
-                <a16:creationId xmlns:a16="http://schemas.microsoft.com/office/drawing/2014/main" id="{F6F8B8EF-A1EF-0B9C-7611-D7F2BC31766C}"/>
-              </a:ext>
-            </a:extLst>
-          </p:cNvPr>
-          <p:cNvSpPr txBox="1"/>
-          <p:nvPr/>
-        </p:nvSpPr>
-        <p:spPr>
-          <a:xfrm>
-            <a:off x="2184944" y="4321736"/>
-            <a:ext cx="2521890" cy="646331"/>
-          </a:xfrm>
-          <a:prstGeom prst="rect">
-            <a:avLst/>
-          </a:prstGeom>
-          <a:noFill/>
-        </p:spPr>
-        <p:txBody>
-          <a:bodyPr wrap="square" rtlCol="0">
-            <a:spAutoFit/>
-          </a:bodyPr>
-          <a:lstStyle/>
-          <a:p>
-            <a:r>
-              <a:rPr lang="en-US" dirty="0"/>
-              <a:t>Back to Back LEDs as ground signal (remote)</a:t>
-            </a:r>
-          </a:p>
-        </p:txBody>
-      </p:sp>
-      <p:pic>
-        <p:nvPicPr>
-          <p:cNvPr id="68" name="Picture 67">
-            <a:extLst>
-              <a:ext uri="{FF2B5EF4-FFF2-40B4-BE49-F238E27FC236}">
-                <a16:creationId xmlns:a16="http://schemas.microsoft.com/office/drawing/2014/main" id="{0CF8A943-FCD6-A341-0857-A61045CBE496}"/>
-              </a:ext>
-            </a:extLst>
-          </p:cNvPr>
-          <p:cNvPicPr>
-            <a:picLocks noChangeAspect="1"/>
-          </p:cNvPicPr>
-          <p:nvPr/>
-        </p:nvPicPr>
-        <p:blipFill>
-          <a:blip r:embed="rId3"/>
-          <a:stretch>
-            <a:fillRect/>
-          </a:stretch>
-        </p:blipFill>
-        <p:spPr>
-          <a:xfrm rot="5400000">
-            <a:off x="4855139" y="2915193"/>
-            <a:ext cx="930097" cy="431125"/>
-          </a:xfrm>
-          <a:prstGeom prst="rect">
-            <a:avLst/>
-          </a:prstGeom>
-        </p:spPr>
-      </p:pic>
-      <p:pic>
-        <p:nvPicPr>
-          <p:cNvPr id="69" name="Picture 68">
-            <a:extLst>
-              <a:ext uri="{FF2B5EF4-FFF2-40B4-BE49-F238E27FC236}">
-                <a16:creationId xmlns:a16="http://schemas.microsoft.com/office/drawing/2014/main" id="{2E0C66AD-EEE7-02C7-35E1-133C6CEA8FD3}"/>
-              </a:ext>
-            </a:extLst>
-          </p:cNvPr>
-          <p:cNvPicPr>
-            <a:picLocks noChangeAspect="1"/>
-          </p:cNvPicPr>
-          <p:nvPr/>
-        </p:nvPicPr>
-        <p:blipFill>
-          <a:blip r:embed="rId3"/>
-          <a:stretch>
-            <a:fillRect/>
-          </a:stretch>
-        </p:blipFill>
-        <p:spPr>
-          <a:xfrm rot="16039850">
-            <a:off x="6523947" y="2855341"/>
-            <a:ext cx="1031383" cy="431125"/>
-          </a:xfrm>
-          <a:prstGeom prst="rect">
-            <a:avLst/>
-          </a:prstGeom>
-        </p:spPr>
-      </p:pic>
-      <p:cxnSp>
-        <p:nvCxnSpPr>
-          <p:cNvPr id="70" name="Straight Connector 69">
-            <a:extLst>
-              <a:ext uri="{FF2B5EF4-FFF2-40B4-BE49-F238E27FC236}">
-                <a16:creationId xmlns:a16="http://schemas.microsoft.com/office/drawing/2014/main" id="{E87F552A-A70B-D839-BF28-CDCFC425B326}"/>
-              </a:ext>
-            </a:extLst>
-          </p:cNvPr>
-          <p:cNvCxnSpPr>
-            <a:cxnSpLocks/>
-          </p:cNvCxnSpPr>
-          <p:nvPr/>
-        </p:nvCxnSpPr>
-        <p:spPr>
-          <a:xfrm flipH="1">
-            <a:off x="5235681" y="1914117"/>
-            <a:ext cx="7459" cy="1725652"/>
-          </a:xfrm>
-          <a:prstGeom prst="line">
-            <a:avLst/>
-          </a:prstGeom>
-          <a:ln w="31750">
-            <a:solidFill>
-              <a:schemeClr val="tx1"/>
-            </a:solidFill>
-          </a:ln>
-        </p:spPr>
-        <p:style>
-          <a:lnRef idx="1">
-            <a:schemeClr val="accent1"/>
-          </a:lnRef>
-          <a:fillRef idx="0">
-            <a:schemeClr val="accent1"/>
-          </a:fillRef>
-          <a:effectRef idx="0">
-            <a:schemeClr val="accent1"/>
-          </a:effectRef>
-          <a:fontRef idx="minor">
-            <a:schemeClr val="tx1"/>
-          </a:fontRef>
-        </p:style>
-      </p:cxnSp>
-      <p:cxnSp>
-        <p:nvCxnSpPr>
-          <p:cNvPr id="72" name="Straight Connector 71">
-            <a:extLst>
-              <a:ext uri="{FF2B5EF4-FFF2-40B4-BE49-F238E27FC236}">
-                <a16:creationId xmlns:a16="http://schemas.microsoft.com/office/drawing/2014/main" id="{D6A84600-F580-1514-058C-0B019E43F9CC}"/>
-              </a:ext>
-            </a:extLst>
-          </p:cNvPr>
-          <p:cNvCxnSpPr>
-            <a:cxnSpLocks/>
-          </p:cNvCxnSpPr>
-          <p:nvPr/>
-        </p:nvCxnSpPr>
-        <p:spPr>
-          <a:xfrm>
-            <a:off x="7096104" y="1878663"/>
-            <a:ext cx="32253" cy="1761106"/>
-          </a:xfrm>
-          <a:prstGeom prst="line">
-            <a:avLst/>
-          </a:prstGeom>
-          <a:ln w="31750">
-            <a:solidFill>
-              <a:schemeClr val="tx1"/>
-            </a:solidFill>
-          </a:ln>
-        </p:spPr>
-        <p:style>
-          <a:lnRef idx="1">
-            <a:schemeClr val="accent1"/>
-          </a:lnRef>
-          <a:fillRef idx="0">
-            <a:schemeClr val="accent1"/>
-          </a:fillRef>
-          <a:effectRef idx="0">
-            <a:schemeClr val="accent1"/>
-          </a:effectRef>
-          <a:fontRef idx="minor">
-            <a:schemeClr val="tx1"/>
-          </a:fontRef>
-        </p:style>
-      </p:cxnSp>
-      <p:sp>
-        <p:nvSpPr>
-          <p:cNvPr id="73" name="TextBox 72">
-            <a:extLst>
-              <a:ext uri="{FF2B5EF4-FFF2-40B4-BE49-F238E27FC236}">
-                <a16:creationId xmlns:a16="http://schemas.microsoft.com/office/drawing/2014/main" id="{33183D1F-2A37-BA88-E404-98CA2C3D4672}"/>
-              </a:ext>
-            </a:extLst>
-          </p:cNvPr>
-          <p:cNvSpPr txBox="1"/>
-          <p:nvPr/>
-        </p:nvSpPr>
-        <p:spPr>
-          <a:xfrm>
-            <a:off x="1397697" y="2724510"/>
-            <a:ext cx="3119813" cy="923330"/>
-          </a:xfrm>
-          <a:prstGeom prst="rect">
-            <a:avLst/>
-          </a:prstGeom>
-          <a:noFill/>
-        </p:spPr>
-        <p:txBody>
-          <a:bodyPr wrap="square" rtlCol="0">
-            <a:spAutoFit/>
-          </a:bodyPr>
-          <a:lstStyle/>
-          <a:p>
             <a:pPr algn="r"/>
             <a:r>
               <a:rPr lang="en-US" dirty="0"/>
-              <a:t>Input Led in the solid state relay and bypass connection (on the PCB)</a:t>
+              <a:t>Photo-Relay</a:t>
+            </a:r>
+          </a:p>
+          <a:p>
+            <a:pPr algn="r"/>
+            <a:r>
+              <a:rPr lang="en-US" dirty="0"/>
+              <a:t>Input Led </a:t>
+            </a:r>
+          </a:p>
+          <a:p>
+            <a:pPr algn="r"/>
+            <a:r>
+              <a:rPr lang="en-US" dirty="0"/>
+              <a:t>And Bypass</a:t>
             </a:r>
           </a:p>
         </p:txBody>
@@ -4281,7 +3652,7 @@
           <a:prstGeom prst="line">
             <a:avLst/>
           </a:prstGeom>
-          <a:ln w="31750">
+          <a:ln w="50800">
             <a:solidFill>
               <a:schemeClr val="tx1"/>
             </a:solidFill>
@@ -4318,13 +3689,13 @@
         </p:nvCxnSpPr>
         <p:spPr>
           <a:xfrm>
-            <a:off x="4687688" y="2735812"/>
-            <a:ext cx="589907" cy="0"/>
+            <a:off x="4692623" y="2735812"/>
+            <a:ext cx="558552" cy="0"/>
           </a:xfrm>
           <a:prstGeom prst="line">
             <a:avLst/>
           </a:prstGeom>
-          <a:ln w="31750">
+          <a:ln w="50800">
             <a:solidFill>
               <a:schemeClr val="tx1"/>
             </a:solidFill>
@@ -4367,7 +3738,7 @@
           <a:prstGeom prst="line">
             <a:avLst/>
           </a:prstGeom>
-          <a:ln w="31750">
+          <a:ln w="50800">
             <a:solidFill>
               <a:schemeClr val="tx1"/>
             </a:solidFill>
@@ -4404,13 +3775,13 @@
         </p:nvCxnSpPr>
         <p:spPr>
           <a:xfrm>
-            <a:off x="4706834" y="2754723"/>
-            <a:ext cx="0" cy="376032"/>
+            <a:off x="4706834" y="2735812"/>
+            <a:ext cx="0" cy="394943"/>
           </a:xfrm>
           <a:prstGeom prst="line">
             <a:avLst/>
           </a:prstGeom>
-          <a:ln w="31750">
+          <a:ln w="50800">
             <a:solidFill>
               <a:schemeClr val="tx1"/>
             </a:solidFill>
@@ -4453,7 +3824,7 @@
           <a:prstGeom prst="line">
             <a:avLst/>
           </a:prstGeom>
-          <a:ln w="31750">
+          <a:ln w="50800">
             <a:solidFill>
               <a:schemeClr val="tx1"/>
             </a:solidFill>
@@ -4496,7 +3867,7 @@
           <a:prstGeom prst="line">
             <a:avLst/>
           </a:prstGeom>
-          <a:ln w="31750">
+          <a:ln w="50800">
             <a:solidFill>
               <a:schemeClr val="tx1"/>
             </a:solidFill>
@@ -4701,49 +4072,6 @@
           </a:p>
         </p:txBody>
       </p:sp>
-      <p:cxnSp>
-        <p:nvCxnSpPr>
-          <p:cNvPr id="39" name="Straight Connector 38">
-            <a:extLst>
-              <a:ext uri="{FF2B5EF4-FFF2-40B4-BE49-F238E27FC236}">
-                <a16:creationId xmlns:a16="http://schemas.microsoft.com/office/drawing/2014/main" id="{1CD33715-88EE-42D6-DBF0-63C50F0FF7F5}"/>
-              </a:ext>
-            </a:extLst>
-          </p:cNvPr>
-          <p:cNvCxnSpPr>
-            <a:cxnSpLocks/>
-          </p:cNvCxnSpPr>
-          <p:nvPr/>
-        </p:nvCxnSpPr>
-        <p:spPr>
-          <a:xfrm>
-            <a:off x="6282589" y="4013617"/>
-            <a:ext cx="0" cy="811861"/>
-          </a:xfrm>
-          <a:prstGeom prst="line">
-            <a:avLst/>
-          </a:prstGeom>
-          <a:ln w="31750">
-            <a:solidFill>
-              <a:schemeClr val="tx1"/>
-            </a:solidFill>
-          </a:ln>
-        </p:spPr>
-        <p:style>
-          <a:lnRef idx="1">
-            <a:schemeClr val="accent1"/>
-          </a:lnRef>
-          <a:fillRef idx="0">
-            <a:schemeClr val="accent1"/>
-          </a:fillRef>
-          <a:effectRef idx="0">
-            <a:schemeClr val="accent1"/>
-          </a:effectRef>
-          <a:fontRef idx="minor">
-            <a:schemeClr val="tx1"/>
-          </a:fontRef>
-        </p:style>
-      </p:cxnSp>
       <p:sp>
         <p:nvSpPr>
           <p:cNvPr id="42" name="Arrow: Pentagon 41">
@@ -4791,6 +4119,3185 @@
           </a:p>
         </p:txBody>
       </p:sp>
+      <p:cxnSp>
+        <p:nvCxnSpPr>
+          <p:cNvPr id="7" name="Straight Connector 6">
+            <a:extLst>
+              <a:ext uri="{FF2B5EF4-FFF2-40B4-BE49-F238E27FC236}">
+                <a16:creationId xmlns:a16="http://schemas.microsoft.com/office/drawing/2014/main" id="{37B134BA-8E49-8F1E-5644-C57F343EC9EE}"/>
+              </a:ext>
+            </a:extLst>
+          </p:cNvPr>
+          <p:cNvCxnSpPr>
+            <a:cxnSpLocks/>
+          </p:cNvCxnSpPr>
+          <p:nvPr/>
+        </p:nvCxnSpPr>
+        <p:spPr>
+          <a:xfrm>
+            <a:off x="5943447" y="3592286"/>
+            <a:ext cx="0" cy="379550"/>
+          </a:xfrm>
+          <a:prstGeom prst="line">
+            <a:avLst/>
+          </a:prstGeom>
+          <a:ln w="50800">
+            <a:solidFill>
+              <a:schemeClr val="tx1"/>
+            </a:solidFill>
+          </a:ln>
+        </p:spPr>
+        <p:style>
+          <a:lnRef idx="1">
+            <a:schemeClr val="accent1"/>
+          </a:lnRef>
+          <a:fillRef idx="0">
+            <a:schemeClr val="accent1"/>
+          </a:fillRef>
+          <a:effectRef idx="0">
+            <a:schemeClr val="accent1"/>
+          </a:effectRef>
+          <a:fontRef idx="minor">
+            <a:schemeClr val="tx1"/>
+          </a:fontRef>
+        </p:style>
+      </p:cxnSp>
+      <p:cxnSp>
+        <p:nvCxnSpPr>
+          <p:cNvPr id="19" name="Straight Connector 18">
+            <a:extLst>
+              <a:ext uri="{FF2B5EF4-FFF2-40B4-BE49-F238E27FC236}">
+                <a16:creationId xmlns:a16="http://schemas.microsoft.com/office/drawing/2014/main" id="{DD8A791A-0B4D-C135-11B5-2555B519C33F}"/>
+              </a:ext>
+            </a:extLst>
+          </p:cNvPr>
+          <p:cNvCxnSpPr>
+            <a:cxnSpLocks/>
+          </p:cNvCxnSpPr>
+          <p:nvPr/>
+        </p:nvCxnSpPr>
+        <p:spPr>
+          <a:xfrm>
+            <a:off x="6621729" y="3616638"/>
+            <a:ext cx="0" cy="391927"/>
+          </a:xfrm>
+          <a:prstGeom prst="line">
+            <a:avLst/>
+          </a:prstGeom>
+          <a:ln w="50800">
+            <a:solidFill>
+              <a:schemeClr val="tx1"/>
+            </a:solidFill>
+          </a:ln>
+        </p:spPr>
+        <p:style>
+          <a:lnRef idx="1">
+            <a:schemeClr val="accent1"/>
+          </a:lnRef>
+          <a:fillRef idx="0">
+            <a:schemeClr val="accent1"/>
+          </a:fillRef>
+          <a:effectRef idx="0">
+            <a:schemeClr val="accent1"/>
+          </a:effectRef>
+          <a:fontRef idx="minor">
+            <a:schemeClr val="tx1"/>
+          </a:fontRef>
+        </p:style>
+      </p:cxnSp>
+      <p:grpSp>
+        <p:nvGrpSpPr>
+          <p:cNvPr id="3" name="Group 2">
+            <a:extLst>
+              <a:ext uri="{FF2B5EF4-FFF2-40B4-BE49-F238E27FC236}">
+                <a16:creationId xmlns:a16="http://schemas.microsoft.com/office/drawing/2014/main" id="{1DD7CD24-76FD-D092-B54E-80524CCB7CC7}"/>
+              </a:ext>
+            </a:extLst>
+          </p:cNvPr>
+          <p:cNvGrpSpPr/>
+          <p:nvPr/>
+        </p:nvGrpSpPr>
+        <p:grpSpPr>
+          <a:xfrm>
+            <a:off x="5848032" y="3910105"/>
+            <a:ext cx="869113" cy="589693"/>
+            <a:chOff x="5828766" y="3530433"/>
+            <a:chExt cx="869113" cy="589693"/>
+          </a:xfrm>
+        </p:grpSpPr>
+        <p:cxnSp>
+          <p:nvCxnSpPr>
+            <p:cNvPr id="17" name="Straight Connector 16">
+              <a:extLst>
+                <a:ext uri="{FF2B5EF4-FFF2-40B4-BE49-F238E27FC236}">
+                  <a16:creationId xmlns:a16="http://schemas.microsoft.com/office/drawing/2014/main" id="{40890531-3058-2C3E-25EB-35EB4A55FF15}"/>
+                </a:ext>
+              </a:extLst>
+            </p:cNvPr>
+            <p:cNvCxnSpPr>
+              <a:cxnSpLocks/>
+              <a:endCxn id="31" idx="0"/>
+            </p:cNvCxnSpPr>
+            <p:nvPr/>
+          </p:nvCxnSpPr>
+          <p:spPr>
+            <a:xfrm>
+              <a:off x="6027702" y="3530433"/>
+              <a:ext cx="249597" cy="413433"/>
+            </a:xfrm>
+            <a:prstGeom prst="line">
+              <a:avLst/>
+            </a:prstGeom>
+            <a:ln w="50800">
+              <a:solidFill>
+                <a:srgbClr val="FF0000"/>
+              </a:solidFill>
+            </a:ln>
+          </p:spPr>
+          <p:style>
+            <a:lnRef idx="1">
+              <a:schemeClr val="accent1"/>
+            </a:lnRef>
+            <a:fillRef idx="0">
+              <a:schemeClr val="accent1"/>
+            </a:fillRef>
+            <a:effectRef idx="0">
+              <a:schemeClr val="accent1"/>
+            </a:effectRef>
+            <a:fontRef idx="minor">
+              <a:schemeClr val="tx1"/>
+            </a:fontRef>
+          </p:style>
+        </p:cxnSp>
+        <p:sp>
+          <p:nvSpPr>
+            <p:cNvPr id="25" name="Oval 24">
+              <a:extLst>
+                <a:ext uri="{FF2B5EF4-FFF2-40B4-BE49-F238E27FC236}">
+                  <a16:creationId xmlns:a16="http://schemas.microsoft.com/office/drawing/2014/main" id="{DC6A0997-ED2E-7B16-28C7-AB7B88126B83}"/>
+                </a:ext>
+              </a:extLst>
+            </p:cNvPr>
+            <p:cNvSpPr/>
+            <p:nvPr/>
+          </p:nvSpPr>
+          <p:spPr>
+            <a:xfrm>
+              <a:off x="5828766" y="3530433"/>
+              <a:ext cx="190831" cy="176260"/>
+            </a:xfrm>
+            <a:prstGeom prst="ellipse">
+              <a:avLst/>
+            </a:prstGeom>
+          </p:spPr>
+          <p:style>
+            <a:lnRef idx="2">
+              <a:schemeClr val="accent1">
+                <a:shade val="50000"/>
+              </a:schemeClr>
+            </a:lnRef>
+            <a:fillRef idx="1">
+              <a:schemeClr val="accent1"/>
+            </a:fillRef>
+            <a:effectRef idx="0">
+              <a:schemeClr val="accent1"/>
+            </a:effectRef>
+            <a:fontRef idx="minor">
+              <a:schemeClr val="lt1"/>
+            </a:fontRef>
+          </p:style>
+          <p:txBody>
+            <a:bodyPr rtlCol="0" anchor="ctr"/>
+            <a:lstStyle/>
+            <a:p>
+              <a:pPr algn="ctr"/>
+              <a:endParaRPr lang="en-US"/>
+            </a:p>
+          </p:txBody>
+        </p:sp>
+        <p:sp>
+          <p:nvSpPr>
+            <p:cNvPr id="30" name="Oval 29">
+              <a:extLst>
+                <a:ext uri="{FF2B5EF4-FFF2-40B4-BE49-F238E27FC236}">
+                  <a16:creationId xmlns:a16="http://schemas.microsoft.com/office/drawing/2014/main" id="{62EDDF55-E2F6-7C9E-EA5D-92EA44E00703}"/>
+                </a:ext>
+              </a:extLst>
+            </p:cNvPr>
+            <p:cNvSpPr/>
+            <p:nvPr/>
+          </p:nvSpPr>
+          <p:spPr>
+            <a:xfrm>
+              <a:off x="6507048" y="3544403"/>
+              <a:ext cx="190831" cy="176260"/>
+            </a:xfrm>
+            <a:prstGeom prst="ellipse">
+              <a:avLst/>
+            </a:prstGeom>
+          </p:spPr>
+          <p:style>
+            <a:lnRef idx="2">
+              <a:schemeClr val="accent1">
+                <a:shade val="50000"/>
+              </a:schemeClr>
+            </a:lnRef>
+            <a:fillRef idx="1">
+              <a:schemeClr val="accent1"/>
+            </a:fillRef>
+            <a:effectRef idx="0">
+              <a:schemeClr val="accent1"/>
+            </a:effectRef>
+            <a:fontRef idx="minor">
+              <a:schemeClr val="lt1"/>
+            </a:fontRef>
+          </p:style>
+          <p:txBody>
+            <a:bodyPr rtlCol="0" anchor="ctr"/>
+            <a:lstStyle/>
+            <a:p>
+              <a:pPr algn="ctr"/>
+              <a:endParaRPr lang="en-US"/>
+            </a:p>
+          </p:txBody>
+        </p:sp>
+        <p:sp>
+          <p:nvSpPr>
+            <p:cNvPr id="31" name="Oval 30">
+              <a:extLst>
+                <a:ext uri="{FF2B5EF4-FFF2-40B4-BE49-F238E27FC236}">
+                  <a16:creationId xmlns:a16="http://schemas.microsoft.com/office/drawing/2014/main" id="{AA294F2C-EC87-5CC3-4C3F-FCD4198FE8EB}"/>
+                </a:ext>
+              </a:extLst>
+            </p:cNvPr>
+            <p:cNvSpPr/>
+            <p:nvPr/>
+          </p:nvSpPr>
+          <p:spPr>
+            <a:xfrm>
+              <a:off x="6181883" y="3943866"/>
+              <a:ext cx="190831" cy="176260"/>
+            </a:xfrm>
+            <a:prstGeom prst="ellipse">
+              <a:avLst/>
+            </a:prstGeom>
+          </p:spPr>
+          <p:style>
+            <a:lnRef idx="2">
+              <a:schemeClr val="accent1">
+                <a:shade val="50000"/>
+              </a:schemeClr>
+            </a:lnRef>
+            <a:fillRef idx="1">
+              <a:schemeClr val="accent1"/>
+            </a:fillRef>
+            <a:effectRef idx="0">
+              <a:schemeClr val="accent1"/>
+            </a:effectRef>
+            <a:fontRef idx="minor">
+              <a:schemeClr val="lt1"/>
+            </a:fontRef>
+          </p:style>
+          <p:txBody>
+            <a:bodyPr rtlCol="0" anchor="ctr"/>
+            <a:lstStyle/>
+            <a:p>
+              <a:pPr algn="ctr"/>
+              <a:endParaRPr lang="en-US"/>
+            </a:p>
+          </p:txBody>
+        </p:sp>
+      </p:grpSp>
+      <p:cxnSp>
+        <p:nvCxnSpPr>
+          <p:cNvPr id="45" name="Straight Connector 44">
+            <a:extLst>
+              <a:ext uri="{FF2B5EF4-FFF2-40B4-BE49-F238E27FC236}">
+                <a16:creationId xmlns:a16="http://schemas.microsoft.com/office/drawing/2014/main" id="{3171E4FF-3527-3528-37C7-DFBFB6D7DF3B}"/>
+              </a:ext>
+            </a:extLst>
+          </p:cNvPr>
+          <p:cNvCxnSpPr>
+            <a:cxnSpLocks/>
+          </p:cNvCxnSpPr>
+          <p:nvPr/>
+        </p:nvCxnSpPr>
+        <p:spPr>
+          <a:xfrm>
+            <a:off x="5235682" y="1318516"/>
+            <a:ext cx="15493" cy="2291433"/>
+          </a:xfrm>
+          <a:prstGeom prst="line">
+            <a:avLst/>
+          </a:prstGeom>
+          <a:ln w="50800">
+            <a:solidFill>
+              <a:schemeClr val="tx1"/>
+            </a:solidFill>
+          </a:ln>
+        </p:spPr>
+        <p:style>
+          <a:lnRef idx="1">
+            <a:schemeClr val="accent1"/>
+          </a:lnRef>
+          <a:fillRef idx="0">
+            <a:schemeClr val="accent1"/>
+          </a:fillRef>
+          <a:effectRef idx="0">
+            <a:schemeClr val="accent1"/>
+          </a:effectRef>
+          <a:fontRef idx="minor">
+            <a:schemeClr val="tx1"/>
+          </a:fontRef>
+        </p:style>
+      </p:cxnSp>
+      <p:grpSp>
+        <p:nvGrpSpPr>
+          <p:cNvPr id="59" name="Group 58">
+            <a:extLst>
+              <a:ext uri="{FF2B5EF4-FFF2-40B4-BE49-F238E27FC236}">
+                <a16:creationId xmlns:a16="http://schemas.microsoft.com/office/drawing/2014/main" id="{DD8E2249-7B17-FB84-79F7-CDB73F46353D}"/>
+              </a:ext>
+            </a:extLst>
+          </p:cNvPr>
+          <p:cNvGrpSpPr/>
+          <p:nvPr/>
+        </p:nvGrpSpPr>
+        <p:grpSpPr>
+          <a:xfrm>
+            <a:off x="5046036" y="2921605"/>
+            <a:ext cx="661778" cy="403320"/>
+            <a:chOff x="1854719" y="2081734"/>
+            <a:chExt cx="661778" cy="403320"/>
+          </a:xfrm>
+        </p:grpSpPr>
+        <p:sp>
+          <p:nvSpPr>
+            <p:cNvPr id="60" name="Isosceles Triangle 59">
+              <a:extLst>
+                <a:ext uri="{FF2B5EF4-FFF2-40B4-BE49-F238E27FC236}">
+                  <a16:creationId xmlns:a16="http://schemas.microsoft.com/office/drawing/2014/main" id="{05C4D7A0-1049-6530-6566-30049E7857B5}"/>
+                </a:ext>
+              </a:extLst>
+            </p:cNvPr>
+            <p:cNvSpPr/>
+            <p:nvPr/>
+          </p:nvSpPr>
+          <p:spPr>
+            <a:xfrm rot="10800000">
+              <a:off x="1861647" y="2081734"/>
+              <a:ext cx="403569" cy="386373"/>
+            </a:xfrm>
+            <a:prstGeom prst="triangle">
+              <a:avLst/>
+            </a:prstGeom>
+          </p:spPr>
+          <p:style>
+            <a:lnRef idx="2">
+              <a:schemeClr val="dk1">
+                <a:shade val="50000"/>
+              </a:schemeClr>
+            </a:lnRef>
+            <a:fillRef idx="1">
+              <a:schemeClr val="dk1"/>
+            </a:fillRef>
+            <a:effectRef idx="0">
+              <a:schemeClr val="dk1"/>
+            </a:effectRef>
+            <a:fontRef idx="minor">
+              <a:schemeClr val="lt1"/>
+            </a:fontRef>
+          </p:style>
+          <p:txBody>
+            <a:bodyPr rtlCol="0" anchor="ctr"/>
+            <a:lstStyle/>
+            <a:p>
+              <a:pPr algn="ctr"/>
+              <a:endParaRPr lang="en-US"/>
+            </a:p>
+          </p:txBody>
+        </p:sp>
+        <p:cxnSp>
+          <p:nvCxnSpPr>
+            <p:cNvPr id="61" name="Straight Connector 60">
+              <a:extLst>
+                <a:ext uri="{FF2B5EF4-FFF2-40B4-BE49-F238E27FC236}">
+                  <a16:creationId xmlns:a16="http://schemas.microsoft.com/office/drawing/2014/main" id="{7C137F39-6865-A636-6632-5C3C788FD600}"/>
+                </a:ext>
+              </a:extLst>
+            </p:cNvPr>
+            <p:cNvCxnSpPr>
+              <a:cxnSpLocks/>
+            </p:cNvCxnSpPr>
+            <p:nvPr/>
+          </p:nvCxnSpPr>
+          <p:spPr>
+            <a:xfrm rot="16200000">
+              <a:off x="2063432" y="2276341"/>
+              <a:ext cx="0" cy="417426"/>
+            </a:xfrm>
+            <a:prstGeom prst="line">
+              <a:avLst/>
+            </a:prstGeom>
+            <a:ln w="101600">
+              <a:solidFill>
+                <a:schemeClr val="tx1"/>
+              </a:solidFill>
+            </a:ln>
+          </p:spPr>
+          <p:style>
+            <a:lnRef idx="1">
+              <a:schemeClr val="accent1"/>
+            </a:lnRef>
+            <a:fillRef idx="0">
+              <a:schemeClr val="accent1"/>
+            </a:fillRef>
+            <a:effectRef idx="0">
+              <a:schemeClr val="accent1"/>
+            </a:effectRef>
+            <a:fontRef idx="minor">
+              <a:schemeClr val="tx1"/>
+            </a:fontRef>
+          </p:style>
+        </p:cxnSp>
+        <p:sp>
+          <p:nvSpPr>
+            <p:cNvPr id="62" name="Arrow: Notched Right 61">
+              <a:extLst>
+                <a:ext uri="{FF2B5EF4-FFF2-40B4-BE49-F238E27FC236}">
+                  <a16:creationId xmlns:a16="http://schemas.microsoft.com/office/drawing/2014/main" id="{4C2C86E5-26AA-65AD-A3A6-782A5D5F4C3D}"/>
+                </a:ext>
+              </a:extLst>
+            </p:cNvPr>
+            <p:cNvSpPr/>
+            <p:nvPr/>
+          </p:nvSpPr>
+          <p:spPr>
+            <a:xfrm rot="2210043">
+              <a:off x="2240630" y="2375167"/>
+              <a:ext cx="229747" cy="91564"/>
+            </a:xfrm>
+            <a:prstGeom prst="notchedRightArrow">
+              <a:avLst/>
+            </a:prstGeom>
+          </p:spPr>
+          <p:style>
+            <a:lnRef idx="2">
+              <a:schemeClr val="dk1">
+                <a:shade val="50000"/>
+              </a:schemeClr>
+            </a:lnRef>
+            <a:fillRef idx="1">
+              <a:schemeClr val="dk1"/>
+            </a:fillRef>
+            <a:effectRef idx="0">
+              <a:schemeClr val="dk1"/>
+            </a:effectRef>
+            <a:fontRef idx="minor">
+              <a:schemeClr val="lt1"/>
+            </a:fontRef>
+          </p:style>
+          <p:txBody>
+            <a:bodyPr rtlCol="0" anchor="ctr"/>
+            <a:lstStyle/>
+            <a:p>
+              <a:pPr algn="ctr"/>
+              <a:endParaRPr lang="en-US"/>
+            </a:p>
+          </p:txBody>
+        </p:sp>
+        <p:sp>
+          <p:nvSpPr>
+            <p:cNvPr id="63" name="Arrow: Notched Right 62">
+              <a:extLst>
+                <a:ext uri="{FF2B5EF4-FFF2-40B4-BE49-F238E27FC236}">
+                  <a16:creationId xmlns:a16="http://schemas.microsoft.com/office/drawing/2014/main" id="{FD56F665-9226-3C27-5D8C-595C9D9A87B3}"/>
+                </a:ext>
+              </a:extLst>
+            </p:cNvPr>
+            <p:cNvSpPr/>
+            <p:nvPr/>
+          </p:nvSpPr>
+          <p:spPr>
+            <a:xfrm rot="2210043">
+              <a:off x="2286750" y="2254152"/>
+              <a:ext cx="229747" cy="91564"/>
+            </a:xfrm>
+            <a:prstGeom prst="notchedRightArrow">
+              <a:avLst/>
+            </a:prstGeom>
+          </p:spPr>
+          <p:style>
+            <a:lnRef idx="2">
+              <a:schemeClr val="dk1">
+                <a:shade val="50000"/>
+              </a:schemeClr>
+            </a:lnRef>
+            <a:fillRef idx="1">
+              <a:schemeClr val="dk1"/>
+            </a:fillRef>
+            <a:effectRef idx="0">
+              <a:schemeClr val="dk1"/>
+            </a:effectRef>
+            <a:fontRef idx="minor">
+              <a:schemeClr val="lt1"/>
+            </a:fontRef>
+          </p:style>
+          <p:txBody>
+            <a:bodyPr rtlCol="0" anchor="ctr"/>
+            <a:lstStyle/>
+            <a:p>
+              <a:pPr algn="ctr"/>
+              <a:endParaRPr lang="en-US" dirty="0"/>
+            </a:p>
+          </p:txBody>
+        </p:sp>
+      </p:grpSp>
+      <p:grpSp>
+        <p:nvGrpSpPr>
+          <p:cNvPr id="71" name="Group 70">
+            <a:extLst>
+              <a:ext uri="{FF2B5EF4-FFF2-40B4-BE49-F238E27FC236}">
+                <a16:creationId xmlns:a16="http://schemas.microsoft.com/office/drawing/2014/main" id="{74E9BC65-74F8-1B6A-2261-1C3429962B5D}"/>
+              </a:ext>
+            </a:extLst>
+          </p:cNvPr>
+          <p:cNvGrpSpPr/>
+          <p:nvPr/>
+        </p:nvGrpSpPr>
+        <p:grpSpPr>
+          <a:xfrm>
+            <a:off x="5031805" y="2037937"/>
+            <a:ext cx="661778" cy="403320"/>
+            <a:chOff x="1854719" y="2081734"/>
+            <a:chExt cx="661778" cy="403320"/>
+          </a:xfrm>
+        </p:grpSpPr>
+        <p:sp>
+          <p:nvSpPr>
+            <p:cNvPr id="74" name="Isosceles Triangle 73">
+              <a:extLst>
+                <a:ext uri="{FF2B5EF4-FFF2-40B4-BE49-F238E27FC236}">
+                  <a16:creationId xmlns:a16="http://schemas.microsoft.com/office/drawing/2014/main" id="{EE7BBF74-0E0D-3166-A87F-B34139B75BC9}"/>
+                </a:ext>
+              </a:extLst>
+            </p:cNvPr>
+            <p:cNvSpPr/>
+            <p:nvPr/>
+          </p:nvSpPr>
+          <p:spPr>
+            <a:xfrm rot="10800000">
+              <a:off x="1861647" y="2081734"/>
+              <a:ext cx="403569" cy="386373"/>
+            </a:xfrm>
+            <a:prstGeom prst="triangle">
+              <a:avLst/>
+            </a:prstGeom>
+          </p:spPr>
+          <p:style>
+            <a:lnRef idx="2">
+              <a:schemeClr val="dk1">
+                <a:shade val="50000"/>
+              </a:schemeClr>
+            </a:lnRef>
+            <a:fillRef idx="1">
+              <a:schemeClr val="dk1"/>
+            </a:fillRef>
+            <a:effectRef idx="0">
+              <a:schemeClr val="dk1"/>
+            </a:effectRef>
+            <a:fontRef idx="minor">
+              <a:schemeClr val="lt1"/>
+            </a:fontRef>
+          </p:style>
+          <p:txBody>
+            <a:bodyPr rtlCol="0" anchor="ctr"/>
+            <a:lstStyle/>
+            <a:p>
+              <a:pPr algn="ctr"/>
+              <a:endParaRPr lang="en-US"/>
+            </a:p>
+          </p:txBody>
+        </p:sp>
+        <p:cxnSp>
+          <p:nvCxnSpPr>
+            <p:cNvPr id="75" name="Straight Connector 74">
+              <a:extLst>
+                <a:ext uri="{FF2B5EF4-FFF2-40B4-BE49-F238E27FC236}">
+                  <a16:creationId xmlns:a16="http://schemas.microsoft.com/office/drawing/2014/main" id="{B8D11EBA-0256-7F72-C556-E38EFC4AB182}"/>
+                </a:ext>
+              </a:extLst>
+            </p:cNvPr>
+            <p:cNvCxnSpPr>
+              <a:cxnSpLocks/>
+            </p:cNvCxnSpPr>
+            <p:nvPr/>
+          </p:nvCxnSpPr>
+          <p:spPr>
+            <a:xfrm rot="16200000">
+              <a:off x="2063432" y="2276341"/>
+              <a:ext cx="0" cy="417426"/>
+            </a:xfrm>
+            <a:prstGeom prst="line">
+              <a:avLst/>
+            </a:prstGeom>
+            <a:ln w="101600">
+              <a:solidFill>
+                <a:schemeClr val="tx1"/>
+              </a:solidFill>
+            </a:ln>
+          </p:spPr>
+          <p:style>
+            <a:lnRef idx="1">
+              <a:schemeClr val="accent1"/>
+            </a:lnRef>
+            <a:fillRef idx="0">
+              <a:schemeClr val="accent1"/>
+            </a:fillRef>
+            <a:effectRef idx="0">
+              <a:schemeClr val="accent1"/>
+            </a:effectRef>
+            <a:fontRef idx="minor">
+              <a:schemeClr val="tx1"/>
+            </a:fontRef>
+          </p:style>
+        </p:cxnSp>
+        <p:sp>
+          <p:nvSpPr>
+            <p:cNvPr id="76" name="Arrow: Notched Right 75">
+              <a:extLst>
+                <a:ext uri="{FF2B5EF4-FFF2-40B4-BE49-F238E27FC236}">
+                  <a16:creationId xmlns:a16="http://schemas.microsoft.com/office/drawing/2014/main" id="{F70F38F6-896A-F8E9-0FCA-61579A3C8F17}"/>
+                </a:ext>
+              </a:extLst>
+            </p:cNvPr>
+            <p:cNvSpPr/>
+            <p:nvPr/>
+          </p:nvSpPr>
+          <p:spPr>
+            <a:xfrm rot="2210043">
+              <a:off x="2240630" y="2375167"/>
+              <a:ext cx="229747" cy="91564"/>
+            </a:xfrm>
+            <a:prstGeom prst="notchedRightArrow">
+              <a:avLst/>
+            </a:prstGeom>
+          </p:spPr>
+          <p:style>
+            <a:lnRef idx="2">
+              <a:schemeClr val="dk1">
+                <a:shade val="50000"/>
+              </a:schemeClr>
+            </a:lnRef>
+            <a:fillRef idx="1">
+              <a:schemeClr val="dk1"/>
+            </a:fillRef>
+            <a:effectRef idx="0">
+              <a:schemeClr val="dk1"/>
+            </a:effectRef>
+            <a:fontRef idx="minor">
+              <a:schemeClr val="lt1"/>
+            </a:fontRef>
+          </p:style>
+          <p:txBody>
+            <a:bodyPr rtlCol="0" anchor="ctr"/>
+            <a:lstStyle/>
+            <a:p>
+              <a:pPr algn="ctr"/>
+              <a:endParaRPr lang="en-US"/>
+            </a:p>
+          </p:txBody>
+        </p:sp>
+        <p:sp>
+          <p:nvSpPr>
+            <p:cNvPr id="77" name="Arrow: Notched Right 76">
+              <a:extLst>
+                <a:ext uri="{FF2B5EF4-FFF2-40B4-BE49-F238E27FC236}">
+                  <a16:creationId xmlns:a16="http://schemas.microsoft.com/office/drawing/2014/main" id="{73117896-1026-6A0A-D64F-2F460C4D8A51}"/>
+                </a:ext>
+              </a:extLst>
+            </p:cNvPr>
+            <p:cNvSpPr/>
+            <p:nvPr/>
+          </p:nvSpPr>
+          <p:spPr>
+            <a:xfrm rot="2210043">
+              <a:off x="2286750" y="2254152"/>
+              <a:ext cx="229747" cy="91564"/>
+            </a:xfrm>
+            <a:prstGeom prst="notchedRightArrow">
+              <a:avLst/>
+            </a:prstGeom>
+          </p:spPr>
+          <p:style>
+            <a:lnRef idx="2">
+              <a:schemeClr val="dk1">
+                <a:shade val="50000"/>
+              </a:schemeClr>
+            </a:lnRef>
+            <a:fillRef idx="1">
+              <a:schemeClr val="dk1"/>
+            </a:fillRef>
+            <a:effectRef idx="0">
+              <a:schemeClr val="dk1"/>
+            </a:effectRef>
+            <a:fontRef idx="minor">
+              <a:schemeClr val="lt1"/>
+            </a:fontRef>
+          </p:style>
+          <p:txBody>
+            <a:bodyPr rtlCol="0" anchor="ctr"/>
+            <a:lstStyle/>
+            <a:p>
+              <a:pPr algn="ctr"/>
+              <a:endParaRPr lang="en-US" dirty="0"/>
+            </a:p>
+          </p:txBody>
+        </p:sp>
+      </p:grpSp>
+      <p:grpSp>
+        <p:nvGrpSpPr>
+          <p:cNvPr id="84" name="Group 83">
+            <a:extLst>
+              <a:ext uri="{FF2B5EF4-FFF2-40B4-BE49-F238E27FC236}">
+                <a16:creationId xmlns:a16="http://schemas.microsoft.com/office/drawing/2014/main" id="{1CAE8B0E-0D00-8DC8-A5EA-B80C7B6ADCC2}"/>
+              </a:ext>
+            </a:extLst>
+          </p:cNvPr>
+          <p:cNvGrpSpPr/>
+          <p:nvPr/>
+        </p:nvGrpSpPr>
+        <p:grpSpPr>
+          <a:xfrm>
+            <a:off x="5046036" y="1392672"/>
+            <a:ext cx="417426" cy="403320"/>
+            <a:chOff x="1861646" y="2736485"/>
+            <a:chExt cx="417426" cy="403320"/>
+          </a:xfrm>
+        </p:grpSpPr>
+        <p:sp>
+          <p:nvSpPr>
+            <p:cNvPr id="85" name="Isosceles Triangle 84">
+              <a:extLst>
+                <a:ext uri="{FF2B5EF4-FFF2-40B4-BE49-F238E27FC236}">
+                  <a16:creationId xmlns:a16="http://schemas.microsoft.com/office/drawing/2014/main" id="{3FF57870-AC70-28D6-9872-5C97C7726F3C}"/>
+                </a:ext>
+              </a:extLst>
+            </p:cNvPr>
+            <p:cNvSpPr/>
+            <p:nvPr/>
+          </p:nvSpPr>
+          <p:spPr>
+            <a:xfrm rot="10800000">
+              <a:off x="1868574" y="2736485"/>
+              <a:ext cx="403569" cy="386373"/>
+            </a:xfrm>
+            <a:prstGeom prst="triangle">
+              <a:avLst/>
+            </a:prstGeom>
+          </p:spPr>
+          <p:style>
+            <a:lnRef idx="2">
+              <a:schemeClr val="dk1">
+                <a:shade val="50000"/>
+              </a:schemeClr>
+            </a:lnRef>
+            <a:fillRef idx="1">
+              <a:schemeClr val="dk1"/>
+            </a:fillRef>
+            <a:effectRef idx="0">
+              <a:schemeClr val="dk1"/>
+            </a:effectRef>
+            <a:fontRef idx="minor">
+              <a:schemeClr val="lt1"/>
+            </a:fontRef>
+          </p:style>
+          <p:txBody>
+            <a:bodyPr rtlCol="0" anchor="ctr"/>
+            <a:lstStyle/>
+            <a:p>
+              <a:pPr algn="ctr"/>
+              <a:endParaRPr lang="en-US"/>
+            </a:p>
+          </p:txBody>
+        </p:sp>
+        <p:cxnSp>
+          <p:nvCxnSpPr>
+            <p:cNvPr id="86" name="Straight Connector 85">
+              <a:extLst>
+                <a:ext uri="{FF2B5EF4-FFF2-40B4-BE49-F238E27FC236}">
+                  <a16:creationId xmlns:a16="http://schemas.microsoft.com/office/drawing/2014/main" id="{A2033F45-0C3E-64B4-4703-558A370543DA}"/>
+                </a:ext>
+              </a:extLst>
+            </p:cNvPr>
+            <p:cNvCxnSpPr>
+              <a:cxnSpLocks/>
+            </p:cNvCxnSpPr>
+            <p:nvPr/>
+          </p:nvCxnSpPr>
+          <p:spPr>
+            <a:xfrm rot="16200000">
+              <a:off x="2070359" y="2931092"/>
+              <a:ext cx="0" cy="417426"/>
+            </a:xfrm>
+            <a:prstGeom prst="line">
+              <a:avLst/>
+            </a:prstGeom>
+            <a:ln w="101600">
+              <a:solidFill>
+                <a:schemeClr val="tx1"/>
+              </a:solidFill>
+            </a:ln>
+          </p:spPr>
+          <p:style>
+            <a:lnRef idx="1">
+              <a:schemeClr val="accent1"/>
+            </a:lnRef>
+            <a:fillRef idx="0">
+              <a:schemeClr val="accent1"/>
+            </a:fillRef>
+            <a:effectRef idx="0">
+              <a:schemeClr val="accent1"/>
+            </a:effectRef>
+            <a:fontRef idx="minor">
+              <a:schemeClr val="tx1"/>
+            </a:fontRef>
+          </p:style>
+        </p:cxnSp>
+      </p:grpSp>
+      <p:grpSp>
+        <p:nvGrpSpPr>
+          <p:cNvPr id="117" name="Group 116">
+            <a:extLst>
+              <a:ext uri="{FF2B5EF4-FFF2-40B4-BE49-F238E27FC236}">
+                <a16:creationId xmlns:a16="http://schemas.microsoft.com/office/drawing/2014/main" id="{88184877-45DF-5E5D-F272-FBC14AC09802}"/>
+              </a:ext>
+            </a:extLst>
+          </p:cNvPr>
+          <p:cNvGrpSpPr/>
+          <p:nvPr/>
+        </p:nvGrpSpPr>
+        <p:grpSpPr>
+          <a:xfrm>
+            <a:off x="5102474" y="526084"/>
+            <a:ext cx="297401" cy="815406"/>
+            <a:chOff x="8301162" y="415700"/>
+            <a:chExt cx="297401" cy="815406"/>
+          </a:xfrm>
+        </p:grpSpPr>
+        <p:cxnSp>
+          <p:nvCxnSpPr>
+            <p:cNvPr id="87" name="Straight Connector 86">
+              <a:extLst>
+                <a:ext uri="{FF2B5EF4-FFF2-40B4-BE49-F238E27FC236}">
+                  <a16:creationId xmlns:a16="http://schemas.microsoft.com/office/drawing/2014/main" id="{D59B1D54-84F5-542C-857C-3B8E33D62476}"/>
+                </a:ext>
+              </a:extLst>
+            </p:cNvPr>
+            <p:cNvCxnSpPr>
+              <a:cxnSpLocks/>
+            </p:cNvCxnSpPr>
+            <p:nvPr/>
+          </p:nvCxnSpPr>
+          <p:spPr>
+            <a:xfrm flipH="1">
+              <a:off x="8301162" y="531584"/>
+              <a:ext cx="145001" cy="58830"/>
+            </a:xfrm>
+            <a:prstGeom prst="line">
+              <a:avLst/>
+            </a:prstGeom>
+            <a:ln w="50800">
+              <a:solidFill>
+                <a:schemeClr val="tx1"/>
+              </a:solidFill>
+            </a:ln>
+          </p:spPr>
+          <p:style>
+            <a:lnRef idx="1">
+              <a:schemeClr val="accent1"/>
+            </a:lnRef>
+            <a:fillRef idx="0">
+              <a:schemeClr val="accent1"/>
+            </a:fillRef>
+            <a:effectRef idx="0">
+              <a:schemeClr val="accent1"/>
+            </a:effectRef>
+            <a:fontRef idx="minor">
+              <a:schemeClr val="tx1"/>
+            </a:fontRef>
+          </p:style>
+        </p:cxnSp>
+        <p:grpSp>
+          <p:nvGrpSpPr>
+            <p:cNvPr id="96" name="Group 95">
+              <a:extLst>
+                <a:ext uri="{FF2B5EF4-FFF2-40B4-BE49-F238E27FC236}">
+                  <a16:creationId xmlns:a16="http://schemas.microsoft.com/office/drawing/2014/main" id="{9BE0723C-2C77-B021-E127-33B74382922F}"/>
+                </a:ext>
+              </a:extLst>
+            </p:cNvPr>
+            <p:cNvGrpSpPr/>
+            <p:nvPr/>
+          </p:nvGrpSpPr>
+          <p:grpSpPr>
+            <a:xfrm>
+              <a:off x="8301162" y="590414"/>
+              <a:ext cx="297401" cy="152400"/>
+              <a:chOff x="8301162" y="590414"/>
+              <a:chExt cx="297401" cy="152400"/>
+            </a:xfrm>
+          </p:grpSpPr>
+          <p:cxnSp>
+            <p:nvCxnSpPr>
+              <p:cNvPr id="89" name="Straight Connector 88">
+                <a:extLst>
+                  <a:ext uri="{FF2B5EF4-FFF2-40B4-BE49-F238E27FC236}">
+                    <a16:creationId xmlns:a16="http://schemas.microsoft.com/office/drawing/2014/main" id="{395083C6-1138-221C-923D-3EA00BB14A46}"/>
+                  </a:ext>
+                </a:extLst>
+              </p:cNvPr>
+              <p:cNvCxnSpPr>
+                <a:cxnSpLocks/>
+              </p:cNvCxnSpPr>
+              <p:nvPr/>
+            </p:nvCxnSpPr>
+            <p:spPr>
+              <a:xfrm flipH="1" flipV="1">
+                <a:off x="8301162" y="590414"/>
+                <a:ext cx="297401" cy="93570"/>
+              </a:xfrm>
+              <a:prstGeom prst="line">
+                <a:avLst/>
+              </a:prstGeom>
+              <a:ln w="50800">
+                <a:solidFill>
+                  <a:schemeClr val="tx1"/>
+                </a:solidFill>
+              </a:ln>
+            </p:spPr>
+            <p:style>
+              <a:lnRef idx="1">
+                <a:schemeClr val="accent1"/>
+              </a:lnRef>
+              <a:fillRef idx="0">
+                <a:schemeClr val="accent1"/>
+              </a:fillRef>
+              <a:effectRef idx="0">
+                <a:schemeClr val="accent1"/>
+              </a:effectRef>
+              <a:fontRef idx="minor">
+                <a:schemeClr val="tx1"/>
+              </a:fontRef>
+            </p:style>
+          </p:cxnSp>
+          <p:cxnSp>
+            <p:nvCxnSpPr>
+              <p:cNvPr id="91" name="Straight Connector 90">
+                <a:extLst>
+                  <a:ext uri="{FF2B5EF4-FFF2-40B4-BE49-F238E27FC236}">
+                    <a16:creationId xmlns:a16="http://schemas.microsoft.com/office/drawing/2014/main" id="{2B4E7CBF-046A-F097-84CF-4A7B4F2501CF}"/>
+                  </a:ext>
+                </a:extLst>
+              </p:cNvPr>
+              <p:cNvCxnSpPr>
+                <a:cxnSpLocks/>
+              </p:cNvCxnSpPr>
+              <p:nvPr/>
+            </p:nvCxnSpPr>
+            <p:spPr>
+              <a:xfrm flipH="1">
+                <a:off x="8301162" y="678092"/>
+                <a:ext cx="297401" cy="64722"/>
+              </a:xfrm>
+              <a:prstGeom prst="line">
+                <a:avLst/>
+              </a:prstGeom>
+              <a:ln w="50800">
+                <a:solidFill>
+                  <a:schemeClr val="tx1"/>
+                </a:solidFill>
+              </a:ln>
+            </p:spPr>
+            <p:style>
+              <a:lnRef idx="1">
+                <a:schemeClr val="accent1"/>
+              </a:lnRef>
+              <a:fillRef idx="0">
+                <a:schemeClr val="accent1"/>
+              </a:fillRef>
+              <a:effectRef idx="0">
+                <a:schemeClr val="accent1"/>
+              </a:effectRef>
+              <a:fontRef idx="minor">
+                <a:schemeClr val="tx1"/>
+              </a:fontRef>
+            </p:style>
+          </p:cxnSp>
+        </p:grpSp>
+        <p:grpSp>
+          <p:nvGrpSpPr>
+            <p:cNvPr id="97" name="Group 96">
+              <a:extLst>
+                <a:ext uri="{FF2B5EF4-FFF2-40B4-BE49-F238E27FC236}">
+                  <a16:creationId xmlns:a16="http://schemas.microsoft.com/office/drawing/2014/main" id="{0DEF8C23-F629-623E-4853-1861982FEAA6}"/>
+                </a:ext>
+              </a:extLst>
+            </p:cNvPr>
+            <p:cNvGrpSpPr/>
+            <p:nvPr/>
+          </p:nvGrpSpPr>
+          <p:grpSpPr>
+            <a:xfrm>
+              <a:off x="8301162" y="741549"/>
+              <a:ext cx="297401" cy="152400"/>
+              <a:chOff x="8301162" y="590414"/>
+              <a:chExt cx="297401" cy="152400"/>
+            </a:xfrm>
+          </p:grpSpPr>
+          <p:cxnSp>
+            <p:nvCxnSpPr>
+              <p:cNvPr id="98" name="Straight Connector 97">
+                <a:extLst>
+                  <a:ext uri="{FF2B5EF4-FFF2-40B4-BE49-F238E27FC236}">
+                    <a16:creationId xmlns:a16="http://schemas.microsoft.com/office/drawing/2014/main" id="{D2DB4931-36C3-C0F7-CD99-711F03B11AC3}"/>
+                  </a:ext>
+                </a:extLst>
+              </p:cNvPr>
+              <p:cNvCxnSpPr>
+                <a:cxnSpLocks/>
+              </p:cNvCxnSpPr>
+              <p:nvPr/>
+            </p:nvCxnSpPr>
+            <p:spPr>
+              <a:xfrm flipH="1" flipV="1">
+                <a:off x="8301162" y="590414"/>
+                <a:ext cx="297401" cy="93570"/>
+              </a:xfrm>
+              <a:prstGeom prst="line">
+                <a:avLst/>
+              </a:prstGeom>
+              <a:ln w="50800">
+                <a:solidFill>
+                  <a:schemeClr val="tx1"/>
+                </a:solidFill>
+              </a:ln>
+            </p:spPr>
+            <p:style>
+              <a:lnRef idx="1">
+                <a:schemeClr val="accent1"/>
+              </a:lnRef>
+              <a:fillRef idx="0">
+                <a:schemeClr val="accent1"/>
+              </a:fillRef>
+              <a:effectRef idx="0">
+                <a:schemeClr val="accent1"/>
+              </a:effectRef>
+              <a:fontRef idx="minor">
+                <a:schemeClr val="tx1"/>
+              </a:fontRef>
+            </p:style>
+          </p:cxnSp>
+          <p:cxnSp>
+            <p:nvCxnSpPr>
+              <p:cNvPr id="99" name="Straight Connector 98">
+                <a:extLst>
+                  <a:ext uri="{FF2B5EF4-FFF2-40B4-BE49-F238E27FC236}">
+                    <a16:creationId xmlns:a16="http://schemas.microsoft.com/office/drawing/2014/main" id="{7E130745-F96C-A4BF-A198-0F25BDE38DC8}"/>
+                  </a:ext>
+                </a:extLst>
+              </p:cNvPr>
+              <p:cNvCxnSpPr>
+                <a:cxnSpLocks/>
+              </p:cNvCxnSpPr>
+              <p:nvPr/>
+            </p:nvCxnSpPr>
+            <p:spPr>
+              <a:xfrm flipH="1">
+                <a:off x="8301162" y="678092"/>
+                <a:ext cx="297401" cy="64722"/>
+              </a:xfrm>
+              <a:prstGeom prst="line">
+                <a:avLst/>
+              </a:prstGeom>
+              <a:ln w="50800">
+                <a:solidFill>
+                  <a:schemeClr val="tx1"/>
+                </a:solidFill>
+              </a:ln>
+            </p:spPr>
+            <p:style>
+              <a:lnRef idx="1">
+                <a:schemeClr val="accent1"/>
+              </a:lnRef>
+              <a:fillRef idx="0">
+                <a:schemeClr val="accent1"/>
+              </a:fillRef>
+              <a:effectRef idx="0">
+                <a:schemeClr val="accent1"/>
+              </a:effectRef>
+              <a:fontRef idx="minor">
+                <a:schemeClr val="tx1"/>
+              </a:fontRef>
+            </p:style>
+          </p:cxnSp>
+        </p:grpSp>
+        <p:grpSp>
+          <p:nvGrpSpPr>
+            <p:cNvPr id="100" name="Group 99">
+              <a:extLst>
+                <a:ext uri="{FF2B5EF4-FFF2-40B4-BE49-F238E27FC236}">
+                  <a16:creationId xmlns:a16="http://schemas.microsoft.com/office/drawing/2014/main" id="{649559FA-A4A0-D7E1-8AB0-9212D99B43E0}"/>
+                </a:ext>
+              </a:extLst>
+            </p:cNvPr>
+            <p:cNvGrpSpPr/>
+            <p:nvPr/>
+          </p:nvGrpSpPr>
+          <p:grpSpPr>
+            <a:xfrm>
+              <a:off x="8301162" y="892355"/>
+              <a:ext cx="297401" cy="152400"/>
+              <a:chOff x="8301162" y="590414"/>
+              <a:chExt cx="297401" cy="152400"/>
+            </a:xfrm>
+          </p:grpSpPr>
+          <p:cxnSp>
+            <p:nvCxnSpPr>
+              <p:cNvPr id="101" name="Straight Connector 100">
+                <a:extLst>
+                  <a:ext uri="{FF2B5EF4-FFF2-40B4-BE49-F238E27FC236}">
+                    <a16:creationId xmlns:a16="http://schemas.microsoft.com/office/drawing/2014/main" id="{C434B88B-A077-9640-B35F-15D9B36EE1DF}"/>
+                  </a:ext>
+                </a:extLst>
+              </p:cNvPr>
+              <p:cNvCxnSpPr>
+                <a:cxnSpLocks/>
+              </p:cNvCxnSpPr>
+              <p:nvPr/>
+            </p:nvCxnSpPr>
+            <p:spPr>
+              <a:xfrm flipH="1" flipV="1">
+                <a:off x="8301162" y="590414"/>
+                <a:ext cx="297401" cy="93570"/>
+              </a:xfrm>
+              <a:prstGeom prst="line">
+                <a:avLst/>
+              </a:prstGeom>
+              <a:ln w="50800">
+                <a:solidFill>
+                  <a:schemeClr val="tx1"/>
+                </a:solidFill>
+              </a:ln>
+            </p:spPr>
+            <p:style>
+              <a:lnRef idx="1">
+                <a:schemeClr val="accent1"/>
+              </a:lnRef>
+              <a:fillRef idx="0">
+                <a:schemeClr val="accent1"/>
+              </a:fillRef>
+              <a:effectRef idx="0">
+                <a:schemeClr val="accent1"/>
+              </a:effectRef>
+              <a:fontRef idx="minor">
+                <a:schemeClr val="tx1"/>
+              </a:fontRef>
+            </p:style>
+          </p:cxnSp>
+          <p:cxnSp>
+            <p:nvCxnSpPr>
+              <p:cNvPr id="102" name="Straight Connector 101">
+                <a:extLst>
+                  <a:ext uri="{FF2B5EF4-FFF2-40B4-BE49-F238E27FC236}">
+                    <a16:creationId xmlns:a16="http://schemas.microsoft.com/office/drawing/2014/main" id="{78657B1D-1452-D296-3F92-82DF207692BA}"/>
+                  </a:ext>
+                </a:extLst>
+              </p:cNvPr>
+              <p:cNvCxnSpPr>
+                <a:cxnSpLocks/>
+              </p:cNvCxnSpPr>
+              <p:nvPr/>
+            </p:nvCxnSpPr>
+            <p:spPr>
+              <a:xfrm flipH="1">
+                <a:off x="8301162" y="678092"/>
+                <a:ext cx="297401" cy="64722"/>
+              </a:xfrm>
+              <a:prstGeom prst="line">
+                <a:avLst/>
+              </a:prstGeom>
+              <a:ln w="50800">
+                <a:solidFill>
+                  <a:schemeClr val="tx1"/>
+                </a:solidFill>
+              </a:ln>
+            </p:spPr>
+            <p:style>
+              <a:lnRef idx="1">
+                <a:schemeClr val="accent1"/>
+              </a:lnRef>
+              <a:fillRef idx="0">
+                <a:schemeClr val="accent1"/>
+              </a:fillRef>
+              <a:effectRef idx="0">
+                <a:schemeClr val="accent1"/>
+              </a:effectRef>
+              <a:fontRef idx="minor">
+                <a:schemeClr val="tx1"/>
+              </a:fontRef>
+            </p:style>
+          </p:cxnSp>
+        </p:grpSp>
+        <p:cxnSp>
+          <p:nvCxnSpPr>
+            <p:cNvPr id="103" name="Straight Connector 102">
+              <a:extLst>
+                <a:ext uri="{FF2B5EF4-FFF2-40B4-BE49-F238E27FC236}">
+                  <a16:creationId xmlns:a16="http://schemas.microsoft.com/office/drawing/2014/main" id="{DE54D5A9-E572-A753-B9F1-36E19C89E649}"/>
+                </a:ext>
+              </a:extLst>
+            </p:cNvPr>
+            <p:cNvCxnSpPr>
+              <a:cxnSpLocks/>
+            </p:cNvCxnSpPr>
+            <p:nvPr/>
+          </p:nvCxnSpPr>
+          <p:spPr>
+            <a:xfrm flipH="1" flipV="1">
+              <a:off x="8301162" y="1043161"/>
+              <a:ext cx="140509" cy="80169"/>
+            </a:xfrm>
+            <a:prstGeom prst="line">
+              <a:avLst/>
+            </a:prstGeom>
+            <a:ln w="50800">
+              <a:solidFill>
+                <a:schemeClr val="tx1"/>
+              </a:solidFill>
+            </a:ln>
+          </p:spPr>
+          <p:style>
+            <a:lnRef idx="1">
+              <a:schemeClr val="accent1"/>
+            </a:lnRef>
+            <a:fillRef idx="0">
+              <a:schemeClr val="accent1"/>
+            </a:fillRef>
+            <a:effectRef idx="0">
+              <a:schemeClr val="accent1"/>
+            </a:effectRef>
+            <a:fontRef idx="minor">
+              <a:schemeClr val="tx1"/>
+            </a:fontRef>
+          </p:style>
+        </p:cxnSp>
+        <p:cxnSp>
+          <p:nvCxnSpPr>
+            <p:cNvPr id="107" name="Straight Connector 106">
+              <a:extLst>
+                <a:ext uri="{FF2B5EF4-FFF2-40B4-BE49-F238E27FC236}">
+                  <a16:creationId xmlns:a16="http://schemas.microsoft.com/office/drawing/2014/main" id="{62D3F4CD-CBE1-E8F9-6150-F74F698CAD4F}"/>
+                </a:ext>
+              </a:extLst>
+            </p:cNvPr>
+            <p:cNvCxnSpPr>
+              <a:cxnSpLocks/>
+            </p:cNvCxnSpPr>
+            <p:nvPr/>
+          </p:nvCxnSpPr>
+          <p:spPr>
+            <a:xfrm>
+              <a:off x="8431638" y="415700"/>
+              <a:ext cx="0" cy="112763"/>
+            </a:xfrm>
+            <a:prstGeom prst="line">
+              <a:avLst/>
+            </a:prstGeom>
+            <a:ln w="50800">
+              <a:solidFill>
+                <a:schemeClr val="tx1"/>
+              </a:solidFill>
+            </a:ln>
+          </p:spPr>
+          <p:style>
+            <a:lnRef idx="1">
+              <a:schemeClr val="accent1"/>
+            </a:lnRef>
+            <a:fillRef idx="0">
+              <a:schemeClr val="accent1"/>
+            </a:fillRef>
+            <a:effectRef idx="0">
+              <a:schemeClr val="accent1"/>
+            </a:effectRef>
+            <a:fontRef idx="minor">
+              <a:schemeClr val="tx1"/>
+            </a:fontRef>
+          </p:style>
+        </p:cxnSp>
+        <p:cxnSp>
+          <p:nvCxnSpPr>
+            <p:cNvPr id="111" name="Straight Connector 110">
+              <a:extLst>
+                <a:ext uri="{FF2B5EF4-FFF2-40B4-BE49-F238E27FC236}">
+                  <a16:creationId xmlns:a16="http://schemas.microsoft.com/office/drawing/2014/main" id="{BF1AF1A3-B150-CD10-4FF1-D42358F7E731}"/>
+                </a:ext>
+              </a:extLst>
+            </p:cNvPr>
+            <p:cNvCxnSpPr>
+              <a:cxnSpLocks/>
+            </p:cNvCxnSpPr>
+            <p:nvPr/>
+          </p:nvCxnSpPr>
+          <p:spPr>
+            <a:xfrm>
+              <a:off x="8437215" y="1113178"/>
+              <a:ext cx="0" cy="117928"/>
+            </a:xfrm>
+            <a:prstGeom prst="line">
+              <a:avLst/>
+            </a:prstGeom>
+            <a:ln w="50800">
+              <a:solidFill>
+                <a:schemeClr val="tx1"/>
+              </a:solidFill>
+            </a:ln>
+          </p:spPr>
+          <p:style>
+            <a:lnRef idx="1">
+              <a:schemeClr val="accent1"/>
+            </a:lnRef>
+            <a:fillRef idx="0">
+              <a:schemeClr val="accent1"/>
+            </a:fillRef>
+            <a:effectRef idx="0">
+              <a:schemeClr val="accent1"/>
+            </a:effectRef>
+            <a:fontRef idx="minor">
+              <a:schemeClr val="tx1"/>
+            </a:fontRef>
+          </p:style>
+        </p:cxnSp>
+      </p:grpSp>
+      <p:grpSp>
+        <p:nvGrpSpPr>
+          <p:cNvPr id="118" name="Group 117">
+            <a:extLst>
+              <a:ext uri="{FF2B5EF4-FFF2-40B4-BE49-F238E27FC236}">
+                <a16:creationId xmlns:a16="http://schemas.microsoft.com/office/drawing/2014/main" id="{EF7A7CDD-3A05-5B08-E852-2718565F4BB0}"/>
+              </a:ext>
+            </a:extLst>
+          </p:cNvPr>
+          <p:cNvGrpSpPr/>
+          <p:nvPr/>
+        </p:nvGrpSpPr>
+        <p:grpSpPr>
+          <a:xfrm rot="10800000">
+            <a:off x="6893154" y="1350850"/>
+            <a:ext cx="417426" cy="403320"/>
+            <a:chOff x="1861646" y="2736485"/>
+            <a:chExt cx="417426" cy="403320"/>
+          </a:xfrm>
+        </p:grpSpPr>
+        <p:sp>
+          <p:nvSpPr>
+            <p:cNvPr id="119" name="Isosceles Triangle 118">
+              <a:extLst>
+                <a:ext uri="{FF2B5EF4-FFF2-40B4-BE49-F238E27FC236}">
+                  <a16:creationId xmlns:a16="http://schemas.microsoft.com/office/drawing/2014/main" id="{9173C5C9-0E28-07BD-2A74-D011FD7A5AF0}"/>
+                </a:ext>
+              </a:extLst>
+            </p:cNvPr>
+            <p:cNvSpPr/>
+            <p:nvPr/>
+          </p:nvSpPr>
+          <p:spPr>
+            <a:xfrm rot="10800000">
+              <a:off x="1868574" y="2736485"/>
+              <a:ext cx="403569" cy="386373"/>
+            </a:xfrm>
+            <a:prstGeom prst="triangle">
+              <a:avLst/>
+            </a:prstGeom>
+          </p:spPr>
+          <p:style>
+            <a:lnRef idx="2">
+              <a:schemeClr val="dk1">
+                <a:shade val="50000"/>
+              </a:schemeClr>
+            </a:lnRef>
+            <a:fillRef idx="1">
+              <a:schemeClr val="dk1"/>
+            </a:fillRef>
+            <a:effectRef idx="0">
+              <a:schemeClr val="dk1"/>
+            </a:effectRef>
+            <a:fontRef idx="minor">
+              <a:schemeClr val="lt1"/>
+            </a:fontRef>
+          </p:style>
+          <p:txBody>
+            <a:bodyPr rtlCol="0" anchor="ctr"/>
+            <a:lstStyle/>
+            <a:p>
+              <a:pPr algn="ctr"/>
+              <a:endParaRPr lang="en-US"/>
+            </a:p>
+          </p:txBody>
+        </p:sp>
+        <p:cxnSp>
+          <p:nvCxnSpPr>
+            <p:cNvPr id="120" name="Straight Connector 119">
+              <a:extLst>
+                <a:ext uri="{FF2B5EF4-FFF2-40B4-BE49-F238E27FC236}">
+                  <a16:creationId xmlns:a16="http://schemas.microsoft.com/office/drawing/2014/main" id="{55908B01-11FA-7012-DD46-7E7242DB822F}"/>
+                </a:ext>
+              </a:extLst>
+            </p:cNvPr>
+            <p:cNvCxnSpPr>
+              <a:cxnSpLocks/>
+            </p:cNvCxnSpPr>
+            <p:nvPr/>
+          </p:nvCxnSpPr>
+          <p:spPr>
+            <a:xfrm rot="16200000">
+              <a:off x="2070359" y="2931092"/>
+              <a:ext cx="0" cy="417426"/>
+            </a:xfrm>
+            <a:prstGeom prst="line">
+              <a:avLst/>
+            </a:prstGeom>
+            <a:ln w="101600">
+              <a:solidFill>
+                <a:schemeClr val="tx1"/>
+              </a:solidFill>
+            </a:ln>
+          </p:spPr>
+          <p:style>
+            <a:lnRef idx="1">
+              <a:schemeClr val="accent1"/>
+            </a:lnRef>
+            <a:fillRef idx="0">
+              <a:schemeClr val="accent1"/>
+            </a:fillRef>
+            <a:effectRef idx="0">
+              <a:schemeClr val="accent1"/>
+            </a:effectRef>
+            <a:fontRef idx="minor">
+              <a:schemeClr val="tx1"/>
+            </a:fontRef>
+          </p:style>
+        </p:cxnSp>
+      </p:grpSp>
+      <p:grpSp>
+        <p:nvGrpSpPr>
+          <p:cNvPr id="121" name="Group 120">
+            <a:extLst>
+              <a:ext uri="{FF2B5EF4-FFF2-40B4-BE49-F238E27FC236}">
+                <a16:creationId xmlns:a16="http://schemas.microsoft.com/office/drawing/2014/main" id="{672E95C2-333D-B32D-10E3-F2CA7E939E79}"/>
+              </a:ext>
+            </a:extLst>
+          </p:cNvPr>
+          <p:cNvGrpSpPr/>
+          <p:nvPr/>
+        </p:nvGrpSpPr>
+        <p:grpSpPr>
+          <a:xfrm>
+            <a:off x="6949592" y="484262"/>
+            <a:ext cx="297401" cy="815406"/>
+            <a:chOff x="8301162" y="415700"/>
+            <a:chExt cx="297401" cy="815406"/>
+          </a:xfrm>
+        </p:grpSpPr>
+        <p:cxnSp>
+          <p:nvCxnSpPr>
+            <p:cNvPr id="122" name="Straight Connector 121">
+              <a:extLst>
+                <a:ext uri="{FF2B5EF4-FFF2-40B4-BE49-F238E27FC236}">
+                  <a16:creationId xmlns:a16="http://schemas.microsoft.com/office/drawing/2014/main" id="{7BB63E45-75D3-FC54-837A-0E963B621EDC}"/>
+                </a:ext>
+              </a:extLst>
+            </p:cNvPr>
+            <p:cNvCxnSpPr>
+              <a:cxnSpLocks/>
+            </p:cNvCxnSpPr>
+            <p:nvPr/>
+          </p:nvCxnSpPr>
+          <p:spPr>
+            <a:xfrm flipH="1">
+              <a:off x="8301162" y="531584"/>
+              <a:ext cx="145001" cy="58830"/>
+            </a:xfrm>
+            <a:prstGeom prst="line">
+              <a:avLst/>
+            </a:prstGeom>
+            <a:ln w="50800">
+              <a:solidFill>
+                <a:schemeClr val="tx1"/>
+              </a:solidFill>
+            </a:ln>
+          </p:spPr>
+          <p:style>
+            <a:lnRef idx="1">
+              <a:schemeClr val="accent1"/>
+            </a:lnRef>
+            <a:fillRef idx="0">
+              <a:schemeClr val="accent1"/>
+            </a:fillRef>
+            <a:effectRef idx="0">
+              <a:schemeClr val="accent1"/>
+            </a:effectRef>
+            <a:fontRef idx="minor">
+              <a:schemeClr val="tx1"/>
+            </a:fontRef>
+          </p:style>
+        </p:cxnSp>
+        <p:grpSp>
+          <p:nvGrpSpPr>
+            <p:cNvPr id="123" name="Group 122">
+              <a:extLst>
+                <a:ext uri="{FF2B5EF4-FFF2-40B4-BE49-F238E27FC236}">
+                  <a16:creationId xmlns:a16="http://schemas.microsoft.com/office/drawing/2014/main" id="{CF14F88B-D74B-405A-05B5-8E27A2CFF26D}"/>
+                </a:ext>
+              </a:extLst>
+            </p:cNvPr>
+            <p:cNvGrpSpPr/>
+            <p:nvPr/>
+          </p:nvGrpSpPr>
+          <p:grpSpPr>
+            <a:xfrm>
+              <a:off x="8301162" y="590414"/>
+              <a:ext cx="297401" cy="152400"/>
+              <a:chOff x="8301162" y="590414"/>
+              <a:chExt cx="297401" cy="152400"/>
+            </a:xfrm>
+          </p:grpSpPr>
+          <p:cxnSp>
+            <p:nvCxnSpPr>
+              <p:cNvPr id="133" name="Straight Connector 132">
+                <a:extLst>
+                  <a:ext uri="{FF2B5EF4-FFF2-40B4-BE49-F238E27FC236}">
+                    <a16:creationId xmlns:a16="http://schemas.microsoft.com/office/drawing/2014/main" id="{6BF4DF17-C6EF-6867-D159-D440296FB630}"/>
+                  </a:ext>
+                </a:extLst>
+              </p:cNvPr>
+              <p:cNvCxnSpPr>
+                <a:cxnSpLocks/>
+              </p:cNvCxnSpPr>
+              <p:nvPr/>
+            </p:nvCxnSpPr>
+            <p:spPr>
+              <a:xfrm flipH="1" flipV="1">
+                <a:off x="8301162" y="590414"/>
+                <a:ext cx="297401" cy="93570"/>
+              </a:xfrm>
+              <a:prstGeom prst="line">
+                <a:avLst/>
+              </a:prstGeom>
+              <a:ln w="50800">
+                <a:solidFill>
+                  <a:schemeClr val="tx1"/>
+                </a:solidFill>
+              </a:ln>
+            </p:spPr>
+            <p:style>
+              <a:lnRef idx="1">
+                <a:schemeClr val="accent1"/>
+              </a:lnRef>
+              <a:fillRef idx="0">
+                <a:schemeClr val="accent1"/>
+              </a:fillRef>
+              <a:effectRef idx="0">
+                <a:schemeClr val="accent1"/>
+              </a:effectRef>
+              <a:fontRef idx="minor">
+                <a:schemeClr val="tx1"/>
+              </a:fontRef>
+            </p:style>
+          </p:cxnSp>
+          <p:cxnSp>
+            <p:nvCxnSpPr>
+              <p:cNvPr id="134" name="Straight Connector 133">
+                <a:extLst>
+                  <a:ext uri="{FF2B5EF4-FFF2-40B4-BE49-F238E27FC236}">
+                    <a16:creationId xmlns:a16="http://schemas.microsoft.com/office/drawing/2014/main" id="{E76B3E95-C6E2-335A-0A54-0E5643BAD02B}"/>
+                  </a:ext>
+                </a:extLst>
+              </p:cNvPr>
+              <p:cNvCxnSpPr>
+                <a:cxnSpLocks/>
+              </p:cNvCxnSpPr>
+              <p:nvPr/>
+            </p:nvCxnSpPr>
+            <p:spPr>
+              <a:xfrm flipH="1">
+                <a:off x="8301162" y="678092"/>
+                <a:ext cx="297401" cy="64722"/>
+              </a:xfrm>
+              <a:prstGeom prst="line">
+                <a:avLst/>
+              </a:prstGeom>
+              <a:ln w="50800">
+                <a:solidFill>
+                  <a:schemeClr val="tx1"/>
+                </a:solidFill>
+              </a:ln>
+            </p:spPr>
+            <p:style>
+              <a:lnRef idx="1">
+                <a:schemeClr val="accent1"/>
+              </a:lnRef>
+              <a:fillRef idx="0">
+                <a:schemeClr val="accent1"/>
+              </a:fillRef>
+              <a:effectRef idx="0">
+                <a:schemeClr val="accent1"/>
+              </a:effectRef>
+              <a:fontRef idx="minor">
+                <a:schemeClr val="tx1"/>
+              </a:fontRef>
+            </p:style>
+          </p:cxnSp>
+        </p:grpSp>
+        <p:grpSp>
+          <p:nvGrpSpPr>
+            <p:cNvPr id="124" name="Group 123">
+              <a:extLst>
+                <a:ext uri="{FF2B5EF4-FFF2-40B4-BE49-F238E27FC236}">
+                  <a16:creationId xmlns:a16="http://schemas.microsoft.com/office/drawing/2014/main" id="{F95E5D88-A532-8C12-87AA-A73C360F1A2C}"/>
+                </a:ext>
+              </a:extLst>
+            </p:cNvPr>
+            <p:cNvGrpSpPr/>
+            <p:nvPr/>
+          </p:nvGrpSpPr>
+          <p:grpSpPr>
+            <a:xfrm>
+              <a:off x="8301162" y="741549"/>
+              <a:ext cx="297401" cy="152400"/>
+              <a:chOff x="8301162" y="590414"/>
+              <a:chExt cx="297401" cy="152400"/>
+            </a:xfrm>
+          </p:grpSpPr>
+          <p:cxnSp>
+            <p:nvCxnSpPr>
+              <p:cNvPr id="131" name="Straight Connector 130">
+                <a:extLst>
+                  <a:ext uri="{FF2B5EF4-FFF2-40B4-BE49-F238E27FC236}">
+                    <a16:creationId xmlns:a16="http://schemas.microsoft.com/office/drawing/2014/main" id="{C1B9472C-7EAB-61F6-202E-9CA4AAF3DFFE}"/>
+                  </a:ext>
+                </a:extLst>
+              </p:cNvPr>
+              <p:cNvCxnSpPr>
+                <a:cxnSpLocks/>
+              </p:cNvCxnSpPr>
+              <p:nvPr/>
+            </p:nvCxnSpPr>
+            <p:spPr>
+              <a:xfrm flipH="1" flipV="1">
+                <a:off x="8301162" y="590414"/>
+                <a:ext cx="297401" cy="93570"/>
+              </a:xfrm>
+              <a:prstGeom prst="line">
+                <a:avLst/>
+              </a:prstGeom>
+              <a:ln w="50800">
+                <a:solidFill>
+                  <a:schemeClr val="tx1"/>
+                </a:solidFill>
+              </a:ln>
+            </p:spPr>
+            <p:style>
+              <a:lnRef idx="1">
+                <a:schemeClr val="accent1"/>
+              </a:lnRef>
+              <a:fillRef idx="0">
+                <a:schemeClr val="accent1"/>
+              </a:fillRef>
+              <a:effectRef idx="0">
+                <a:schemeClr val="accent1"/>
+              </a:effectRef>
+              <a:fontRef idx="minor">
+                <a:schemeClr val="tx1"/>
+              </a:fontRef>
+            </p:style>
+          </p:cxnSp>
+          <p:cxnSp>
+            <p:nvCxnSpPr>
+              <p:cNvPr id="132" name="Straight Connector 131">
+                <a:extLst>
+                  <a:ext uri="{FF2B5EF4-FFF2-40B4-BE49-F238E27FC236}">
+                    <a16:creationId xmlns:a16="http://schemas.microsoft.com/office/drawing/2014/main" id="{35EFF6D2-CDAF-3EFF-9486-E977F744CC0B}"/>
+                  </a:ext>
+                </a:extLst>
+              </p:cNvPr>
+              <p:cNvCxnSpPr>
+                <a:cxnSpLocks/>
+              </p:cNvCxnSpPr>
+              <p:nvPr/>
+            </p:nvCxnSpPr>
+            <p:spPr>
+              <a:xfrm flipH="1">
+                <a:off x="8301162" y="678092"/>
+                <a:ext cx="297401" cy="64722"/>
+              </a:xfrm>
+              <a:prstGeom prst="line">
+                <a:avLst/>
+              </a:prstGeom>
+              <a:ln w="50800">
+                <a:solidFill>
+                  <a:schemeClr val="tx1"/>
+                </a:solidFill>
+              </a:ln>
+            </p:spPr>
+            <p:style>
+              <a:lnRef idx="1">
+                <a:schemeClr val="accent1"/>
+              </a:lnRef>
+              <a:fillRef idx="0">
+                <a:schemeClr val="accent1"/>
+              </a:fillRef>
+              <a:effectRef idx="0">
+                <a:schemeClr val="accent1"/>
+              </a:effectRef>
+              <a:fontRef idx="minor">
+                <a:schemeClr val="tx1"/>
+              </a:fontRef>
+            </p:style>
+          </p:cxnSp>
+        </p:grpSp>
+        <p:grpSp>
+          <p:nvGrpSpPr>
+            <p:cNvPr id="125" name="Group 124">
+              <a:extLst>
+                <a:ext uri="{FF2B5EF4-FFF2-40B4-BE49-F238E27FC236}">
+                  <a16:creationId xmlns:a16="http://schemas.microsoft.com/office/drawing/2014/main" id="{33FA6348-3655-DC8B-CCA2-DA368A3F6439}"/>
+                </a:ext>
+              </a:extLst>
+            </p:cNvPr>
+            <p:cNvGrpSpPr/>
+            <p:nvPr/>
+          </p:nvGrpSpPr>
+          <p:grpSpPr>
+            <a:xfrm>
+              <a:off x="8301162" y="892355"/>
+              <a:ext cx="297401" cy="152400"/>
+              <a:chOff x="8301162" y="590414"/>
+              <a:chExt cx="297401" cy="152400"/>
+            </a:xfrm>
+          </p:grpSpPr>
+          <p:cxnSp>
+            <p:nvCxnSpPr>
+              <p:cNvPr id="129" name="Straight Connector 128">
+                <a:extLst>
+                  <a:ext uri="{FF2B5EF4-FFF2-40B4-BE49-F238E27FC236}">
+                    <a16:creationId xmlns:a16="http://schemas.microsoft.com/office/drawing/2014/main" id="{CD64DD98-5CA9-44DA-1635-48E4C3ACD0AB}"/>
+                  </a:ext>
+                </a:extLst>
+              </p:cNvPr>
+              <p:cNvCxnSpPr>
+                <a:cxnSpLocks/>
+              </p:cNvCxnSpPr>
+              <p:nvPr/>
+            </p:nvCxnSpPr>
+            <p:spPr>
+              <a:xfrm flipH="1" flipV="1">
+                <a:off x="8301162" y="590414"/>
+                <a:ext cx="297401" cy="93570"/>
+              </a:xfrm>
+              <a:prstGeom prst="line">
+                <a:avLst/>
+              </a:prstGeom>
+              <a:ln w="50800">
+                <a:solidFill>
+                  <a:schemeClr val="tx1"/>
+                </a:solidFill>
+              </a:ln>
+            </p:spPr>
+            <p:style>
+              <a:lnRef idx="1">
+                <a:schemeClr val="accent1"/>
+              </a:lnRef>
+              <a:fillRef idx="0">
+                <a:schemeClr val="accent1"/>
+              </a:fillRef>
+              <a:effectRef idx="0">
+                <a:schemeClr val="accent1"/>
+              </a:effectRef>
+              <a:fontRef idx="minor">
+                <a:schemeClr val="tx1"/>
+              </a:fontRef>
+            </p:style>
+          </p:cxnSp>
+          <p:cxnSp>
+            <p:nvCxnSpPr>
+              <p:cNvPr id="130" name="Straight Connector 129">
+                <a:extLst>
+                  <a:ext uri="{FF2B5EF4-FFF2-40B4-BE49-F238E27FC236}">
+                    <a16:creationId xmlns:a16="http://schemas.microsoft.com/office/drawing/2014/main" id="{990806D0-1536-77BE-52DF-5E454F9F0277}"/>
+                  </a:ext>
+                </a:extLst>
+              </p:cNvPr>
+              <p:cNvCxnSpPr>
+                <a:cxnSpLocks/>
+              </p:cNvCxnSpPr>
+              <p:nvPr/>
+            </p:nvCxnSpPr>
+            <p:spPr>
+              <a:xfrm flipH="1">
+                <a:off x="8301162" y="678092"/>
+                <a:ext cx="297401" cy="64722"/>
+              </a:xfrm>
+              <a:prstGeom prst="line">
+                <a:avLst/>
+              </a:prstGeom>
+              <a:ln w="50800">
+                <a:solidFill>
+                  <a:schemeClr val="tx1"/>
+                </a:solidFill>
+              </a:ln>
+            </p:spPr>
+            <p:style>
+              <a:lnRef idx="1">
+                <a:schemeClr val="accent1"/>
+              </a:lnRef>
+              <a:fillRef idx="0">
+                <a:schemeClr val="accent1"/>
+              </a:fillRef>
+              <a:effectRef idx="0">
+                <a:schemeClr val="accent1"/>
+              </a:effectRef>
+              <a:fontRef idx="minor">
+                <a:schemeClr val="tx1"/>
+              </a:fontRef>
+            </p:style>
+          </p:cxnSp>
+        </p:grpSp>
+        <p:cxnSp>
+          <p:nvCxnSpPr>
+            <p:cNvPr id="126" name="Straight Connector 125">
+              <a:extLst>
+                <a:ext uri="{FF2B5EF4-FFF2-40B4-BE49-F238E27FC236}">
+                  <a16:creationId xmlns:a16="http://schemas.microsoft.com/office/drawing/2014/main" id="{2F2C1D44-67AD-D8DB-7AAC-5F838FD5189B}"/>
+                </a:ext>
+              </a:extLst>
+            </p:cNvPr>
+            <p:cNvCxnSpPr>
+              <a:cxnSpLocks/>
+            </p:cNvCxnSpPr>
+            <p:nvPr/>
+          </p:nvCxnSpPr>
+          <p:spPr>
+            <a:xfrm flipH="1" flipV="1">
+              <a:off x="8301162" y="1043161"/>
+              <a:ext cx="140509" cy="80169"/>
+            </a:xfrm>
+            <a:prstGeom prst="line">
+              <a:avLst/>
+            </a:prstGeom>
+            <a:ln w="50800">
+              <a:solidFill>
+                <a:schemeClr val="tx1"/>
+              </a:solidFill>
+            </a:ln>
+          </p:spPr>
+          <p:style>
+            <a:lnRef idx="1">
+              <a:schemeClr val="accent1"/>
+            </a:lnRef>
+            <a:fillRef idx="0">
+              <a:schemeClr val="accent1"/>
+            </a:fillRef>
+            <a:effectRef idx="0">
+              <a:schemeClr val="accent1"/>
+            </a:effectRef>
+            <a:fontRef idx="minor">
+              <a:schemeClr val="tx1"/>
+            </a:fontRef>
+          </p:style>
+        </p:cxnSp>
+        <p:cxnSp>
+          <p:nvCxnSpPr>
+            <p:cNvPr id="127" name="Straight Connector 126">
+              <a:extLst>
+                <a:ext uri="{FF2B5EF4-FFF2-40B4-BE49-F238E27FC236}">
+                  <a16:creationId xmlns:a16="http://schemas.microsoft.com/office/drawing/2014/main" id="{234930D7-1E0A-586F-6444-A772464E8713}"/>
+                </a:ext>
+              </a:extLst>
+            </p:cNvPr>
+            <p:cNvCxnSpPr>
+              <a:cxnSpLocks/>
+            </p:cNvCxnSpPr>
+            <p:nvPr/>
+          </p:nvCxnSpPr>
+          <p:spPr>
+            <a:xfrm>
+              <a:off x="8431638" y="415700"/>
+              <a:ext cx="0" cy="112763"/>
+            </a:xfrm>
+            <a:prstGeom prst="line">
+              <a:avLst/>
+            </a:prstGeom>
+            <a:ln w="50800">
+              <a:solidFill>
+                <a:schemeClr val="tx1"/>
+              </a:solidFill>
+            </a:ln>
+          </p:spPr>
+          <p:style>
+            <a:lnRef idx="1">
+              <a:schemeClr val="accent1"/>
+            </a:lnRef>
+            <a:fillRef idx="0">
+              <a:schemeClr val="accent1"/>
+            </a:fillRef>
+            <a:effectRef idx="0">
+              <a:schemeClr val="accent1"/>
+            </a:effectRef>
+            <a:fontRef idx="minor">
+              <a:schemeClr val="tx1"/>
+            </a:fontRef>
+          </p:style>
+        </p:cxnSp>
+        <p:cxnSp>
+          <p:nvCxnSpPr>
+            <p:cNvPr id="128" name="Straight Connector 127">
+              <a:extLst>
+                <a:ext uri="{FF2B5EF4-FFF2-40B4-BE49-F238E27FC236}">
+                  <a16:creationId xmlns:a16="http://schemas.microsoft.com/office/drawing/2014/main" id="{92BDF7C0-05CE-8797-14E7-5C08AE119EAA}"/>
+                </a:ext>
+              </a:extLst>
+            </p:cNvPr>
+            <p:cNvCxnSpPr>
+              <a:cxnSpLocks/>
+            </p:cNvCxnSpPr>
+            <p:nvPr/>
+          </p:nvCxnSpPr>
+          <p:spPr>
+            <a:xfrm>
+              <a:off x="8437215" y="1113178"/>
+              <a:ext cx="0" cy="117928"/>
+            </a:xfrm>
+            <a:prstGeom prst="line">
+              <a:avLst/>
+            </a:prstGeom>
+            <a:ln w="50800">
+              <a:solidFill>
+                <a:schemeClr val="tx1"/>
+              </a:solidFill>
+            </a:ln>
+          </p:spPr>
+          <p:style>
+            <a:lnRef idx="1">
+              <a:schemeClr val="accent1"/>
+            </a:lnRef>
+            <a:fillRef idx="0">
+              <a:schemeClr val="accent1"/>
+            </a:fillRef>
+            <a:effectRef idx="0">
+              <a:schemeClr val="accent1"/>
+            </a:effectRef>
+            <a:fontRef idx="minor">
+              <a:schemeClr val="tx1"/>
+            </a:fontRef>
+          </p:style>
+        </p:cxnSp>
+      </p:grpSp>
+      <p:grpSp>
+        <p:nvGrpSpPr>
+          <p:cNvPr id="135" name="Group 134">
+            <a:extLst>
+              <a:ext uri="{FF2B5EF4-FFF2-40B4-BE49-F238E27FC236}">
+                <a16:creationId xmlns:a16="http://schemas.microsoft.com/office/drawing/2014/main" id="{3EA5D7B0-0996-8629-905C-8A3AEF5948EF}"/>
+              </a:ext>
+            </a:extLst>
+          </p:cNvPr>
+          <p:cNvGrpSpPr/>
+          <p:nvPr/>
+        </p:nvGrpSpPr>
+        <p:grpSpPr>
+          <a:xfrm rot="10800000">
+            <a:off x="6663881" y="2034172"/>
+            <a:ext cx="661778" cy="403320"/>
+            <a:chOff x="1854719" y="2081734"/>
+            <a:chExt cx="661778" cy="403320"/>
+          </a:xfrm>
+        </p:grpSpPr>
+        <p:sp>
+          <p:nvSpPr>
+            <p:cNvPr id="136" name="Isosceles Triangle 135">
+              <a:extLst>
+                <a:ext uri="{FF2B5EF4-FFF2-40B4-BE49-F238E27FC236}">
+                  <a16:creationId xmlns:a16="http://schemas.microsoft.com/office/drawing/2014/main" id="{76453C41-A6E8-5239-0443-4F40A4DC1F28}"/>
+                </a:ext>
+              </a:extLst>
+            </p:cNvPr>
+            <p:cNvSpPr/>
+            <p:nvPr/>
+          </p:nvSpPr>
+          <p:spPr>
+            <a:xfrm rot="10800000">
+              <a:off x="1861647" y="2081734"/>
+              <a:ext cx="403569" cy="386373"/>
+            </a:xfrm>
+            <a:prstGeom prst="triangle">
+              <a:avLst/>
+            </a:prstGeom>
+          </p:spPr>
+          <p:style>
+            <a:lnRef idx="2">
+              <a:schemeClr val="dk1">
+                <a:shade val="50000"/>
+              </a:schemeClr>
+            </a:lnRef>
+            <a:fillRef idx="1">
+              <a:schemeClr val="dk1"/>
+            </a:fillRef>
+            <a:effectRef idx="0">
+              <a:schemeClr val="dk1"/>
+            </a:effectRef>
+            <a:fontRef idx="minor">
+              <a:schemeClr val="lt1"/>
+            </a:fontRef>
+          </p:style>
+          <p:txBody>
+            <a:bodyPr rtlCol="0" anchor="ctr"/>
+            <a:lstStyle/>
+            <a:p>
+              <a:pPr algn="ctr"/>
+              <a:endParaRPr lang="en-US"/>
+            </a:p>
+          </p:txBody>
+        </p:sp>
+        <p:cxnSp>
+          <p:nvCxnSpPr>
+            <p:cNvPr id="137" name="Straight Connector 136">
+              <a:extLst>
+                <a:ext uri="{FF2B5EF4-FFF2-40B4-BE49-F238E27FC236}">
+                  <a16:creationId xmlns:a16="http://schemas.microsoft.com/office/drawing/2014/main" id="{7DAC5941-7802-C2A5-BDEC-1D14067C1AE0}"/>
+                </a:ext>
+              </a:extLst>
+            </p:cNvPr>
+            <p:cNvCxnSpPr>
+              <a:cxnSpLocks/>
+            </p:cNvCxnSpPr>
+            <p:nvPr/>
+          </p:nvCxnSpPr>
+          <p:spPr>
+            <a:xfrm rot="16200000">
+              <a:off x="2063432" y="2276341"/>
+              <a:ext cx="0" cy="417426"/>
+            </a:xfrm>
+            <a:prstGeom prst="line">
+              <a:avLst/>
+            </a:prstGeom>
+            <a:ln w="101600">
+              <a:solidFill>
+                <a:schemeClr val="tx1"/>
+              </a:solidFill>
+            </a:ln>
+          </p:spPr>
+          <p:style>
+            <a:lnRef idx="1">
+              <a:schemeClr val="accent1"/>
+            </a:lnRef>
+            <a:fillRef idx="0">
+              <a:schemeClr val="accent1"/>
+            </a:fillRef>
+            <a:effectRef idx="0">
+              <a:schemeClr val="accent1"/>
+            </a:effectRef>
+            <a:fontRef idx="minor">
+              <a:schemeClr val="tx1"/>
+            </a:fontRef>
+          </p:style>
+        </p:cxnSp>
+        <p:sp>
+          <p:nvSpPr>
+            <p:cNvPr id="138" name="Arrow: Notched Right 137">
+              <a:extLst>
+                <a:ext uri="{FF2B5EF4-FFF2-40B4-BE49-F238E27FC236}">
+                  <a16:creationId xmlns:a16="http://schemas.microsoft.com/office/drawing/2014/main" id="{95925343-8CBA-3EC0-494D-DE956AD6F5BF}"/>
+                </a:ext>
+              </a:extLst>
+            </p:cNvPr>
+            <p:cNvSpPr/>
+            <p:nvPr/>
+          </p:nvSpPr>
+          <p:spPr>
+            <a:xfrm rot="2210043">
+              <a:off x="2240630" y="2375167"/>
+              <a:ext cx="229747" cy="91564"/>
+            </a:xfrm>
+            <a:prstGeom prst="notchedRightArrow">
+              <a:avLst/>
+            </a:prstGeom>
+          </p:spPr>
+          <p:style>
+            <a:lnRef idx="2">
+              <a:schemeClr val="dk1">
+                <a:shade val="50000"/>
+              </a:schemeClr>
+            </a:lnRef>
+            <a:fillRef idx="1">
+              <a:schemeClr val="dk1"/>
+            </a:fillRef>
+            <a:effectRef idx="0">
+              <a:schemeClr val="dk1"/>
+            </a:effectRef>
+            <a:fontRef idx="minor">
+              <a:schemeClr val="lt1"/>
+            </a:fontRef>
+          </p:style>
+          <p:txBody>
+            <a:bodyPr rtlCol="0" anchor="ctr"/>
+            <a:lstStyle/>
+            <a:p>
+              <a:pPr algn="ctr"/>
+              <a:endParaRPr lang="en-US"/>
+            </a:p>
+          </p:txBody>
+        </p:sp>
+        <p:sp>
+          <p:nvSpPr>
+            <p:cNvPr id="139" name="Arrow: Notched Right 138">
+              <a:extLst>
+                <a:ext uri="{FF2B5EF4-FFF2-40B4-BE49-F238E27FC236}">
+                  <a16:creationId xmlns:a16="http://schemas.microsoft.com/office/drawing/2014/main" id="{66FB99EF-E0F5-45C0-A370-E1C29E42B7EB}"/>
+                </a:ext>
+              </a:extLst>
+            </p:cNvPr>
+            <p:cNvSpPr/>
+            <p:nvPr/>
+          </p:nvSpPr>
+          <p:spPr>
+            <a:xfrm rot="2210043">
+              <a:off x="2286750" y="2254152"/>
+              <a:ext cx="229747" cy="91564"/>
+            </a:xfrm>
+            <a:prstGeom prst="notchedRightArrow">
+              <a:avLst/>
+            </a:prstGeom>
+          </p:spPr>
+          <p:style>
+            <a:lnRef idx="2">
+              <a:schemeClr val="dk1">
+                <a:shade val="50000"/>
+              </a:schemeClr>
+            </a:lnRef>
+            <a:fillRef idx="1">
+              <a:schemeClr val="dk1"/>
+            </a:fillRef>
+            <a:effectRef idx="0">
+              <a:schemeClr val="dk1"/>
+            </a:effectRef>
+            <a:fontRef idx="minor">
+              <a:schemeClr val="lt1"/>
+            </a:fontRef>
+          </p:style>
+          <p:txBody>
+            <a:bodyPr rtlCol="0" anchor="ctr"/>
+            <a:lstStyle/>
+            <a:p>
+              <a:pPr algn="ctr"/>
+              <a:endParaRPr lang="en-US" dirty="0"/>
+            </a:p>
+          </p:txBody>
+        </p:sp>
+      </p:grpSp>
+      <p:grpSp>
+        <p:nvGrpSpPr>
+          <p:cNvPr id="140" name="Group 139">
+            <a:extLst>
+              <a:ext uri="{FF2B5EF4-FFF2-40B4-BE49-F238E27FC236}">
+                <a16:creationId xmlns:a16="http://schemas.microsoft.com/office/drawing/2014/main" id="{CF824188-C5CE-4C1B-40D4-138AB9FBEB32}"/>
+              </a:ext>
+            </a:extLst>
+          </p:cNvPr>
+          <p:cNvGrpSpPr/>
+          <p:nvPr/>
+        </p:nvGrpSpPr>
+        <p:grpSpPr>
+          <a:xfrm rot="10800000">
+            <a:off x="6662566" y="2953650"/>
+            <a:ext cx="661778" cy="403320"/>
+            <a:chOff x="1854719" y="2081734"/>
+            <a:chExt cx="661778" cy="403320"/>
+          </a:xfrm>
+        </p:grpSpPr>
+        <p:sp>
+          <p:nvSpPr>
+            <p:cNvPr id="141" name="Isosceles Triangle 140">
+              <a:extLst>
+                <a:ext uri="{FF2B5EF4-FFF2-40B4-BE49-F238E27FC236}">
+                  <a16:creationId xmlns:a16="http://schemas.microsoft.com/office/drawing/2014/main" id="{B3B815D6-1E95-2A8D-333C-5B77FF124506}"/>
+                </a:ext>
+              </a:extLst>
+            </p:cNvPr>
+            <p:cNvSpPr/>
+            <p:nvPr/>
+          </p:nvSpPr>
+          <p:spPr>
+            <a:xfrm rot="10800000">
+              <a:off x="1861647" y="2081734"/>
+              <a:ext cx="403569" cy="386373"/>
+            </a:xfrm>
+            <a:prstGeom prst="triangle">
+              <a:avLst/>
+            </a:prstGeom>
+          </p:spPr>
+          <p:style>
+            <a:lnRef idx="2">
+              <a:schemeClr val="dk1">
+                <a:shade val="50000"/>
+              </a:schemeClr>
+            </a:lnRef>
+            <a:fillRef idx="1">
+              <a:schemeClr val="dk1"/>
+            </a:fillRef>
+            <a:effectRef idx="0">
+              <a:schemeClr val="dk1"/>
+            </a:effectRef>
+            <a:fontRef idx="minor">
+              <a:schemeClr val="lt1"/>
+            </a:fontRef>
+          </p:style>
+          <p:txBody>
+            <a:bodyPr rtlCol="0" anchor="ctr"/>
+            <a:lstStyle/>
+            <a:p>
+              <a:pPr algn="ctr"/>
+              <a:endParaRPr lang="en-US"/>
+            </a:p>
+          </p:txBody>
+        </p:sp>
+        <p:cxnSp>
+          <p:nvCxnSpPr>
+            <p:cNvPr id="142" name="Straight Connector 141">
+              <a:extLst>
+                <a:ext uri="{FF2B5EF4-FFF2-40B4-BE49-F238E27FC236}">
+                  <a16:creationId xmlns:a16="http://schemas.microsoft.com/office/drawing/2014/main" id="{1705167D-619D-F31F-156E-37254C8C0CA7}"/>
+                </a:ext>
+              </a:extLst>
+            </p:cNvPr>
+            <p:cNvCxnSpPr>
+              <a:cxnSpLocks/>
+            </p:cNvCxnSpPr>
+            <p:nvPr/>
+          </p:nvCxnSpPr>
+          <p:spPr>
+            <a:xfrm rot="16200000">
+              <a:off x="2063432" y="2276341"/>
+              <a:ext cx="0" cy="417426"/>
+            </a:xfrm>
+            <a:prstGeom prst="line">
+              <a:avLst/>
+            </a:prstGeom>
+            <a:ln w="101600">
+              <a:solidFill>
+                <a:schemeClr val="tx1"/>
+              </a:solidFill>
+            </a:ln>
+          </p:spPr>
+          <p:style>
+            <a:lnRef idx="1">
+              <a:schemeClr val="accent1"/>
+            </a:lnRef>
+            <a:fillRef idx="0">
+              <a:schemeClr val="accent1"/>
+            </a:fillRef>
+            <a:effectRef idx="0">
+              <a:schemeClr val="accent1"/>
+            </a:effectRef>
+            <a:fontRef idx="minor">
+              <a:schemeClr val="tx1"/>
+            </a:fontRef>
+          </p:style>
+        </p:cxnSp>
+        <p:sp>
+          <p:nvSpPr>
+            <p:cNvPr id="143" name="Arrow: Notched Right 142">
+              <a:extLst>
+                <a:ext uri="{FF2B5EF4-FFF2-40B4-BE49-F238E27FC236}">
+                  <a16:creationId xmlns:a16="http://schemas.microsoft.com/office/drawing/2014/main" id="{B1767AD6-D4A4-A957-FB5D-3F3F6C34FDF3}"/>
+                </a:ext>
+              </a:extLst>
+            </p:cNvPr>
+            <p:cNvSpPr/>
+            <p:nvPr/>
+          </p:nvSpPr>
+          <p:spPr>
+            <a:xfrm rot="2210043">
+              <a:off x="2240630" y="2375167"/>
+              <a:ext cx="229747" cy="91564"/>
+            </a:xfrm>
+            <a:prstGeom prst="notchedRightArrow">
+              <a:avLst/>
+            </a:prstGeom>
+          </p:spPr>
+          <p:style>
+            <a:lnRef idx="2">
+              <a:schemeClr val="dk1">
+                <a:shade val="50000"/>
+              </a:schemeClr>
+            </a:lnRef>
+            <a:fillRef idx="1">
+              <a:schemeClr val="dk1"/>
+            </a:fillRef>
+            <a:effectRef idx="0">
+              <a:schemeClr val="dk1"/>
+            </a:effectRef>
+            <a:fontRef idx="minor">
+              <a:schemeClr val="lt1"/>
+            </a:fontRef>
+          </p:style>
+          <p:txBody>
+            <a:bodyPr rtlCol="0" anchor="ctr"/>
+            <a:lstStyle/>
+            <a:p>
+              <a:pPr algn="ctr"/>
+              <a:endParaRPr lang="en-US"/>
+            </a:p>
+          </p:txBody>
+        </p:sp>
+        <p:sp>
+          <p:nvSpPr>
+            <p:cNvPr id="144" name="Arrow: Notched Right 143">
+              <a:extLst>
+                <a:ext uri="{FF2B5EF4-FFF2-40B4-BE49-F238E27FC236}">
+                  <a16:creationId xmlns:a16="http://schemas.microsoft.com/office/drawing/2014/main" id="{DE83A310-9829-DF1F-FBFC-3CDD04FE1A66}"/>
+                </a:ext>
+              </a:extLst>
+            </p:cNvPr>
+            <p:cNvSpPr/>
+            <p:nvPr/>
+          </p:nvSpPr>
+          <p:spPr>
+            <a:xfrm rot="2210043">
+              <a:off x="2286750" y="2254152"/>
+              <a:ext cx="229747" cy="91564"/>
+            </a:xfrm>
+            <a:prstGeom prst="notchedRightArrow">
+              <a:avLst/>
+            </a:prstGeom>
+          </p:spPr>
+          <p:style>
+            <a:lnRef idx="2">
+              <a:schemeClr val="dk1">
+                <a:shade val="50000"/>
+              </a:schemeClr>
+            </a:lnRef>
+            <a:fillRef idx="1">
+              <a:schemeClr val="dk1"/>
+            </a:fillRef>
+            <a:effectRef idx="0">
+              <a:schemeClr val="dk1"/>
+            </a:effectRef>
+            <a:fontRef idx="minor">
+              <a:schemeClr val="lt1"/>
+            </a:fontRef>
+          </p:style>
+          <p:txBody>
+            <a:bodyPr rtlCol="0" anchor="ctr"/>
+            <a:lstStyle/>
+            <a:p>
+              <a:pPr algn="ctr"/>
+              <a:endParaRPr lang="en-US" dirty="0"/>
+            </a:p>
+          </p:txBody>
+        </p:sp>
+      </p:grpSp>
+      <p:cxnSp>
+        <p:nvCxnSpPr>
+          <p:cNvPr id="145" name="Straight Connector 144">
+            <a:extLst>
+              <a:ext uri="{FF2B5EF4-FFF2-40B4-BE49-F238E27FC236}">
+                <a16:creationId xmlns:a16="http://schemas.microsoft.com/office/drawing/2014/main" id="{618F97F0-A6FE-1098-A30D-83ED280867C5}"/>
+              </a:ext>
+            </a:extLst>
+          </p:cNvPr>
+          <p:cNvCxnSpPr>
+            <a:cxnSpLocks/>
+          </p:cNvCxnSpPr>
+          <p:nvPr/>
+        </p:nvCxnSpPr>
+        <p:spPr>
+          <a:xfrm>
+            <a:off x="7090274" y="1330839"/>
+            <a:ext cx="15493" cy="2291433"/>
+          </a:xfrm>
+          <a:prstGeom prst="line">
+            <a:avLst/>
+          </a:prstGeom>
+          <a:ln w="50800">
+            <a:solidFill>
+              <a:schemeClr val="tx1"/>
+            </a:solidFill>
+          </a:ln>
+        </p:spPr>
+        <p:style>
+          <a:lnRef idx="1">
+            <a:schemeClr val="accent1"/>
+          </a:lnRef>
+          <a:fillRef idx="0">
+            <a:schemeClr val="accent1"/>
+          </a:fillRef>
+          <a:effectRef idx="0">
+            <a:schemeClr val="accent1"/>
+          </a:effectRef>
+          <a:fontRef idx="minor">
+            <a:schemeClr val="tx1"/>
+          </a:fontRef>
+        </p:style>
+      </p:cxnSp>
+      <p:grpSp>
+        <p:nvGrpSpPr>
+          <p:cNvPr id="177" name="Group 176">
+            <a:extLst>
+              <a:ext uri="{FF2B5EF4-FFF2-40B4-BE49-F238E27FC236}">
+                <a16:creationId xmlns:a16="http://schemas.microsoft.com/office/drawing/2014/main" id="{0D6D3909-1697-6DB0-F1A3-CB73FE0008F6}"/>
+              </a:ext>
+            </a:extLst>
+          </p:cNvPr>
+          <p:cNvGrpSpPr/>
+          <p:nvPr/>
+        </p:nvGrpSpPr>
+        <p:grpSpPr>
+          <a:xfrm>
+            <a:off x="5543084" y="4592685"/>
+            <a:ext cx="1554936" cy="1598093"/>
+            <a:chOff x="1801308" y="4124723"/>
+            <a:chExt cx="1554936" cy="1598093"/>
+          </a:xfrm>
+        </p:grpSpPr>
+        <p:grpSp>
+          <p:nvGrpSpPr>
+            <p:cNvPr id="156" name="Group 155">
+              <a:extLst>
+                <a:ext uri="{FF2B5EF4-FFF2-40B4-BE49-F238E27FC236}">
+                  <a16:creationId xmlns:a16="http://schemas.microsoft.com/office/drawing/2014/main" id="{C989BE11-4CBE-390F-F88E-C87D19486397}"/>
+                </a:ext>
+              </a:extLst>
+            </p:cNvPr>
+            <p:cNvGrpSpPr/>
+            <p:nvPr/>
+          </p:nvGrpSpPr>
+          <p:grpSpPr>
+            <a:xfrm>
+              <a:off x="1801308" y="4666427"/>
+              <a:ext cx="1554936" cy="444725"/>
+              <a:chOff x="1801308" y="4666427"/>
+              <a:chExt cx="1554936" cy="444725"/>
+            </a:xfrm>
+          </p:grpSpPr>
+          <p:grpSp>
+            <p:nvGrpSpPr>
+              <p:cNvPr id="146" name="Group 145">
+                <a:extLst>
+                  <a:ext uri="{FF2B5EF4-FFF2-40B4-BE49-F238E27FC236}">
+                    <a16:creationId xmlns:a16="http://schemas.microsoft.com/office/drawing/2014/main" id="{D03FEB7E-D6B3-B90B-2247-430FB6A3AA9A}"/>
+                  </a:ext>
+                </a:extLst>
+              </p:cNvPr>
+              <p:cNvGrpSpPr/>
+              <p:nvPr/>
+            </p:nvGrpSpPr>
+            <p:grpSpPr>
+              <a:xfrm>
+                <a:off x="2694466" y="4666427"/>
+                <a:ext cx="661778" cy="403320"/>
+                <a:chOff x="1854719" y="2081734"/>
+                <a:chExt cx="661778" cy="403320"/>
+              </a:xfrm>
+            </p:grpSpPr>
+            <p:sp>
+              <p:nvSpPr>
+                <p:cNvPr id="147" name="Isosceles Triangle 146">
+                  <a:extLst>
+                    <a:ext uri="{FF2B5EF4-FFF2-40B4-BE49-F238E27FC236}">
+                      <a16:creationId xmlns:a16="http://schemas.microsoft.com/office/drawing/2014/main" id="{24B7D664-A41E-A7F1-B6D5-99E39C81D088}"/>
+                    </a:ext>
+                  </a:extLst>
+                </p:cNvPr>
+                <p:cNvSpPr/>
+                <p:nvPr/>
+              </p:nvSpPr>
+              <p:spPr>
+                <a:xfrm rot="10800000">
+                  <a:off x="1861647" y="2081734"/>
+                  <a:ext cx="403569" cy="386373"/>
+                </a:xfrm>
+                <a:prstGeom prst="triangle">
+                  <a:avLst/>
+                </a:prstGeom>
+              </p:spPr>
+              <p:style>
+                <a:lnRef idx="2">
+                  <a:schemeClr val="dk1">
+                    <a:shade val="50000"/>
+                  </a:schemeClr>
+                </a:lnRef>
+                <a:fillRef idx="1">
+                  <a:schemeClr val="dk1"/>
+                </a:fillRef>
+                <a:effectRef idx="0">
+                  <a:schemeClr val="dk1"/>
+                </a:effectRef>
+                <a:fontRef idx="minor">
+                  <a:schemeClr val="lt1"/>
+                </a:fontRef>
+              </p:style>
+              <p:txBody>
+                <a:bodyPr rtlCol="0" anchor="ctr"/>
+                <a:lstStyle/>
+                <a:p>
+                  <a:pPr algn="ctr"/>
+                  <a:endParaRPr lang="en-US"/>
+                </a:p>
+              </p:txBody>
+            </p:sp>
+            <p:cxnSp>
+              <p:nvCxnSpPr>
+                <p:cNvPr id="148" name="Straight Connector 147">
+                  <a:extLst>
+                    <a:ext uri="{FF2B5EF4-FFF2-40B4-BE49-F238E27FC236}">
+                      <a16:creationId xmlns:a16="http://schemas.microsoft.com/office/drawing/2014/main" id="{1D01647C-B8AF-555A-D556-B6713B647680}"/>
+                    </a:ext>
+                  </a:extLst>
+                </p:cNvPr>
+                <p:cNvCxnSpPr>
+                  <a:cxnSpLocks/>
+                </p:cNvCxnSpPr>
+                <p:nvPr/>
+              </p:nvCxnSpPr>
+              <p:spPr>
+                <a:xfrm rot="16200000">
+                  <a:off x="2063432" y="2276341"/>
+                  <a:ext cx="0" cy="417426"/>
+                </a:xfrm>
+                <a:prstGeom prst="line">
+                  <a:avLst/>
+                </a:prstGeom>
+                <a:ln w="101600">
+                  <a:solidFill>
+                    <a:schemeClr val="tx1"/>
+                  </a:solidFill>
+                </a:ln>
+              </p:spPr>
+              <p:style>
+                <a:lnRef idx="1">
+                  <a:schemeClr val="accent1"/>
+                </a:lnRef>
+                <a:fillRef idx="0">
+                  <a:schemeClr val="accent1"/>
+                </a:fillRef>
+                <a:effectRef idx="0">
+                  <a:schemeClr val="accent1"/>
+                </a:effectRef>
+                <a:fontRef idx="minor">
+                  <a:schemeClr val="tx1"/>
+                </a:fontRef>
+              </p:style>
+            </p:cxnSp>
+            <p:sp>
+              <p:nvSpPr>
+                <p:cNvPr id="149" name="Arrow: Notched Right 148">
+                  <a:extLst>
+                    <a:ext uri="{FF2B5EF4-FFF2-40B4-BE49-F238E27FC236}">
+                      <a16:creationId xmlns:a16="http://schemas.microsoft.com/office/drawing/2014/main" id="{BBD20C20-2FF7-8502-1154-ACB7C25A6096}"/>
+                    </a:ext>
+                  </a:extLst>
+                </p:cNvPr>
+                <p:cNvSpPr/>
+                <p:nvPr/>
+              </p:nvSpPr>
+              <p:spPr>
+                <a:xfrm rot="2210043">
+                  <a:off x="2240630" y="2375167"/>
+                  <a:ext cx="229747" cy="91564"/>
+                </a:xfrm>
+                <a:prstGeom prst="notchedRightArrow">
+                  <a:avLst/>
+                </a:prstGeom>
+              </p:spPr>
+              <p:style>
+                <a:lnRef idx="2">
+                  <a:schemeClr val="dk1">
+                    <a:shade val="50000"/>
+                  </a:schemeClr>
+                </a:lnRef>
+                <a:fillRef idx="1">
+                  <a:schemeClr val="dk1"/>
+                </a:fillRef>
+                <a:effectRef idx="0">
+                  <a:schemeClr val="dk1"/>
+                </a:effectRef>
+                <a:fontRef idx="minor">
+                  <a:schemeClr val="lt1"/>
+                </a:fontRef>
+              </p:style>
+              <p:txBody>
+                <a:bodyPr rtlCol="0" anchor="ctr"/>
+                <a:lstStyle/>
+                <a:p>
+                  <a:pPr algn="ctr"/>
+                  <a:endParaRPr lang="en-US"/>
+                </a:p>
+              </p:txBody>
+            </p:sp>
+            <p:sp>
+              <p:nvSpPr>
+                <p:cNvPr id="150" name="Arrow: Notched Right 149">
+                  <a:extLst>
+                    <a:ext uri="{FF2B5EF4-FFF2-40B4-BE49-F238E27FC236}">
+                      <a16:creationId xmlns:a16="http://schemas.microsoft.com/office/drawing/2014/main" id="{6B2F93BB-B24E-00C6-8086-1C1A2FED8D30}"/>
+                    </a:ext>
+                  </a:extLst>
+                </p:cNvPr>
+                <p:cNvSpPr/>
+                <p:nvPr/>
+              </p:nvSpPr>
+              <p:spPr>
+                <a:xfrm rot="2210043">
+                  <a:off x="2286750" y="2254152"/>
+                  <a:ext cx="229747" cy="91564"/>
+                </a:xfrm>
+                <a:prstGeom prst="notchedRightArrow">
+                  <a:avLst/>
+                </a:prstGeom>
+              </p:spPr>
+              <p:style>
+                <a:lnRef idx="2">
+                  <a:schemeClr val="dk1">
+                    <a:shade val="50000"/>
+                  </a:schemeClr>
+                </a:lnRef>
+                <a:fillRef idx="1">
+                  <a:schemeClr val="dk1"/>
+                </a:fillRef>
+                <a:effectRef idx="0">
+                  <a:schemeClr val="dk1"/>
+                </a:effectRef>
+                <a:fontRef idx="minor">
+                  <a:schemeClr val="lt1"/>
+                </a:fontRef>
+              </p:style>
+              <p:txBody>
+                <a:bodyPr rtlCol="0" anchor="ctr"/>
+                <a:lstStyle/>
+                <a:p>
+                  <a:pPr algn="ctr"/>
+                  <a:endParaRPr lang="en-US" dirty="0"/>
+                </a:p>
+              </p:txBody>
+            </p:sp>
+          </p:grpSp>
+          <p:grpSp>
+            <p:nvGrpSpPr>
+              <p:cNvPr id="151" name="Group 150">
+                <a:extLst>
+                  <a:ext uri="{FF2B5EF4-FFF2-40B4-BE49-F238E27FC236}">
+                    <a16:creationId xmlns:a16="http://schemas.microsoft.com/office/drawing/2014/main" id="{E970419C-1A68-1E1A-C320-33B83EC72E0B}"/>
+                  </a:ext>
+                </a:extLst>
+              </p:cNvPr>
+              <p:cNvGrpSpPr/>
+              <p:nvPr/>
+            </p:nvGrpSpPr>
+            <p:grpSpPr>
+              <a:xfrm rot="10800000">
+                <a:off x="1801308" y="4707832"/>
+                <a:ext cx="661778" cy="403320"/>
+                <a:chOff x="1854719" y="2081734"/>
+                <a:chExt cx="661778" cy="403320"/>
+              </a:xfrm>
+            </p:grpSpPr>
+            <p:sp>
+              <p:nvSpPr>
+                <p:cNvPr id="152" name="Isosceles Triangle 151">
+                  <a:extLst>
+                    <a:ext uri="{FF2B5EF4-FFF2-40B4-BE49-F238E27FC236}">
+                      <a16:creationId xmlns:a16="http://schemas.microsoft.com/office/drawing/2014/main" id="{6634B6E4-C939-4773-8AD2-47D20D063DB4}"/>
+                    </a:ext>
+                  </a:extLst>
+                </p:cNvPr>
+                <p:cNvSpPr/>
+                <p:nvPr/>
+              </p:nvSpPr>
+              <p:spPr>
+                <a:xfrm rot="10800000">
+                  <a:off x="1861647" y="2081734"/>
+                  <a:ext cx="403569" cy="386373"/>
+                </a:xfrm>
+                <a:prstGeom prst="triangle">
+                  <a:avLst/>
+                </a:prstGeom>
+              </p:spPr>
+              <p:style>
+                <a:lnRef idx="2">
+                  <a:schemeClr val="dk1">
+                    <a:shade val="50000"/>
+                  </a:schemeClr>
+                </a:lnRef>
+                <a:fillRef idx="1">
+                  <a:schemeClr val="dk1"/>
+                </a:fillRef>
+                <a:effectRef idx="0">
+                  <a:schemeClr val="dk1"/>
+                </a:effectRef>
+                <a:fontRef idx="minor">
+                  <a:schemeClr val="lt1"/>
+                </a:fontRef>
+              </p:style>
+              <p:txBody>
+                <a:bodyPr rtlCol="0" anchor="ctr"/>
+                <a:lstStyle/>
+                <a:p>
+                  <a:pPr algn="ctr"/>
+                  <a:endParaRPr lang="en-US"/>
+                </a:p>
+              </p:txBody>
+            </p:sp>
+            <p:cxnSp>
+              <p:nvCxnSpPr>
+                <p:cNvPr id="153" name="Straight Connector 152">
+                  <a:extLst>
+                    <a:ext uri="{FF2B5EF4-FFF2-40B4-BE49-F238E27FC236}">
+                      <a16:creationId xmlns:a16="http://schemas.microsoft.com/office/drawing/2014/main" id="{C0989E91-41AB-CA91-9157-7A114F17EECC}"/>
+                    </a:ext>
+                  </a:extLst>
+                </p:cNvPr>
+                <p:cNvCxnSpPr>
+                  <a:cxnSpLocks/>
+                </p:cNvCxnSpPr>
+                <p:nvPr/>
+              </p:nvCxnSpPr>
+              <p:spPr>
+                <a:xfrm rot="16200000">
+                  <a:off x="2063432" y="2276341"/>
+                  <a:ext cx="0" cy="417426"/>
+                </a:xfrm>
+                <a:prstGeom prst="line">
+                  <a:avLst/>
+                </a:prstGeom>
+                <a:ln w="101600">
+                  <a:solidFill>
+                    <a:schemeClr val="tx1"/>
+                  </a:solidFill>
+                </a:ln>
+              </p:spPr>
+              <p:style>
+                <a:lnRef idx="1">
+                  <a:schemeClr val="accent1"/>
+                </a:lnRef>
+                <a:fillRef idx="0">
+                  <a:schemeClr val="accent1"/>
+                </a:fillRef>
+                <a:effectRef idx="0">
+                  <a:schemeClr val="accent1"/>
+                </a:effectRef>
+                <a:fontRef idx="minor">
+                  <a:schemeClr val="tx1"/>
+                </a:fontRef>
+              </p:style>
+            </p:cxnSp>
+            <p:sp>
+              <p:nvSpPr>
+                <p:cNvPr id="154" name="Arrow: Notched Right 153">
+                  <a:extLst>
+                    <a:ext uri="{FF2B5EF4-FFF2-40B4-BE49-F238E27FC236}">
+                      <a16:creationId xmlns:a16="http://schemas.microsoft.com/office/drawing/2014/main" id="{73C50E3D-309B-A720-171C-79764C14A489}"/>
+                    </a:ext>
+                  </a:extLst>
+                </p:cNvPr>
+                <p:cNvSpPr/>
+                <p:nvPr/>
+              </p:nvSpPr>
+              <p:spPr>
+                <a:xfrm rot="2210043">
+                  <a:off x="2240630" y="2375167"/>
+                  <a:ext cx="229747" cy="91564"/>
+                </a:xfrm>
+                <a:prstGeom prst="notchedRightArrow">
+                  <a:avLst/>
+                </a:prstGeom>
+              </p:spPr>
+              <p:style>
+                <a:lnRef idx="2">
+                  <a:schemeClr val="dk1">
+                    <a:shade val="50000"/>
+                  </a:schemeClr>
+                </a:lnRef>
+                <a:fillRef idx="1">
+                  <a:schemeClr val="dk1"/>
+                </a:fillRef>
+                <a:effectRef idx="0">
+                  <a:schemeClr val="dk1"/>
+                </a:effectRef>
+                <a:fontRef idx="minor">
+                  <a:schemeClr val="lt1"/>
+                </a:fontRef>
+              </p:style>
+              <p:txBody>
+                <a:bodyPr rtlCol="0" anchor="ctr"/>
+                <a:lstStyle/>
+                <a:p>
+                  <a:pPr algn="ctr"/>
+                  <a:endParaRPr lang="en-US"/>
+                </a:p>
+              </p:txBody>
+            </p:sp>
+            <p:sp>
+              <p:nvSpPr>
+                <p:cNvPr id="155" name="Arrow: Notched Right 154">
+                  <a:extLst>
+                    <a:ext uri="{FF2B5EF4-FFF2-40B4-BE49-F238E27FC236}">
+                      <a16:creationId xmlns:a16="http://schemas.microsoft.com/office/drawing/2014/main" id="{515E451D-25DD-756F-2A23-BBB5EFC5746F}"/>
+                    </a:ext>
+                  </a:extLst>
+                </p:cNvPr>
+                <p:cNvSpPr/>
+                <p:nvPr/>
+              </p:nvSpPr>
+              <p:spPr>
+                <a:xfrm rot="2210043">
+                  <a:off x="2286750" y="2254152"/>
+                  <a:ext cx="229747" cy="91564"/>
+                </a:xfrm>
+                <a:prstGeom prst="notchedRightArrow">
+                  <a:avLst/>
+                </a:prstGeom>
+              </p:spPr>
+              <p:style>
+                <a:lnRef idx="2">
+                  <a:schemeClr val="dk1">
+                    <a:shade val="50000"/>
+                  </a:schemeClr>
+                </a:lnRef>
+                <a:fillRef idx="1">
+                  <a:schemeClr val="dk1"/>
+                </a:fillRef>
+                <a:effectRef idx="0">
+                  <a:schemeClr val="dk1"/>
+                </a:effectRef>
+                <a:fontRef idx="minor">
+                  <a:schemeClr val="lt1"/>
+                </a:fontRef>
+              </p:style>
+              <p:txBody>
+                <a:bodyPr rtlCol="0" anchor="ctr"/>
+                <a:lstStyle/>
+                <a:p>
+                  <a:pPr algn="ctr"/>
+                  <a:endParaRPr lang="en-US" dirty="0"/>
+                </a:p>
+              </p:txBody>
+            </p:sp>
+          </p:grpSp>
+        </p:grpSp>
+        <p:cxnSp>
+          <p:nvCxnSpPr>
+            <p:cNvPr id="158" name="Straight Connector 157">
+              <a:extLst>
+                <a:ext uri="{FF2B5EF4-FFF2-40B4-BE49-F238E27FC236}">
+                  <a16:creationId xmlns:a16="http://schemas.microsoft.com/office/drawing/2014/main" id="{423EAB87-0539-A64F-ECC0-2C9E1B9AFAC1}"/>
+                </a:ext>
+              </a:extLst>
+            </p:cNvPr>
+            <p:cNvCxnSpPr>
+              <a:cxnSpLocks/>
+            </p:cNvCxnSpPr>
+            <p:nvPr/>
+          </p:nvCxnSpPr>
+          <p:spPr>
+            <a:xfrm>
+              <a:off x="2254373" y="4336440"/>
+              <a:ext cx="10843" cy="1098341"/>
+            </a:xfrm>
+            <a:prstGeom prst="line">
+              <a:avLst/>
+            </a:prstGeom>
+            <a:ln w="50800">
+              <a:solidFill>
+                <a:schemeClr val="tx1"/>
+              </a:solidFill>
+            </a:ln>
+          </p:spPr>
+          <p:style>
+            <a:lnRef idx="1">
+              <a:schemeClr val="accent1"/>
+            </a:lnRef>
+            <a:fillRef idx="0">
+              <a:schemeClr val="accent1"/>
+            </a:fillRef>
+            <a:effectRef idx="0">
+              <a:schemeClr val="accent1"/>
+            </a:effectRef>
+            <a:fontRef idx="minor">
+              <a:schemeClr val="tx1"/>
+            </a:fontRef>
+          </p:style>
+        </p:cxnSp>
+        <p:cxnSp>
+          <p:nvCxnSpPr>
+            <p:cNvPr id="160" name="Straight Connector 159">
+              <a:extLst>
+                <a:ext uri="{FF2B5EF4-FFF2-40B4-BE49-F238E27FC236}">
+                  <a16:creationId xmlns:a16="http://schemas.microsoft.com/office/drawing/2014/main" id="{678099F7-FB56-903F-A35F-9C935023D871}"/>
+                </a:ext>
+              </a:extLst>
+            </p:cNvPr>
+            <p:cNvCxnSpPr>
+              <a:cxnSpLocks/>
+            </p:cNvCxnSpPr>
+            <p:nvPr/>
+          </p:nvCxnSpPr>
+          <p:spPr>
+            <a:xfrm>
+              <a:off x="2881479" y="4336440"/>
+              <a:ext cx="16462" cy="1098340"/>
+            </a:xfrm>
+            <a:prstGeom prst="line">
+              <a:avLst/>
+            </a:prstGeom>
+            <a:ln w="50800">
+              <a:solidFill>
+                <a:schemeClr val="tx1"/>
+              </a:solidFill>
+            </a:ln>
+          </p:spPr>
+          <p:style>
+            <a:lnRef idx="1">
+              <a:schemeClr val="accent1"/>
+            </a:lnRef>
+            <a:fillRef idx="0">
+              <a:schemeClr val="accent1"/>
+            </a:fillRef>
+            <a:effectRef idx="0">
+              <a:schemeClr val="accent1"/>
+            </a:effectRef>
+            <a:fontRef idx="minor">
+              <a:schemeClr val="tx1"/>
+            </a:fontRef>
+          </p:style>
+        </p:cxnSp>
+        <p:cxnSp>
+          <p:nvCxnSpPr>
+            <p:cNvPr id="161" name="Straight Connector 160">
+              <a:extLst>
+                <a:ext uri="{FF2B5EF4-FFF2-40B4-BE49-F238E27FC236}">
+                  <a16:creationId xmlns:a16="http://schemas.microsoft.com/office/drawing/2014/main" id="{8C61CAE3-8CF4-7826-1F56-A79A4CD7F504}"/>
+                </a:ext>
+              </a:extLst>
+            </p:cNvPr>
+            <p:cNvCxnSpPr>
+              <a:cxnSpLocks/>
+            </p:cNvCxnSpPr>
+            <p:nvPr/>
+          </p:nvCxnSpPr>
+          <p:spPr>
+            <a:xfrm flipH="1">
+              <a:off x="2279072" y="5412657"/>
+              <a:ext cx="624820" cy="0"/>
+            </a:xfrm>
+            <a:prstGeom prst="line">
+              <a:avLst/>
+            </a:prstGeom>
+            <a:ln w="50800">
+              <a:solidFill>
+                <a:schemeClr val="tx1"/>
+              </a:solidFill>
+            </a:ln>
+          </p:spPr>
+          <p:style>
+            <a:lnRef idx="1">
+              <a:schemeClr val="accent1"/>
+            </a:lnRef>
+            <a:fillRef idx="0">
+              <a:schemeClr val="accent1"/>
+            </a:fillRef>
+            <a:effectRef idx="0">
+              <a:schemeClr val="accent1"/>
+            </a:effectRef>
+            <a:fontRef idx="minor">
+              <a:schemeClr val="tx1"/>
+            </a:fontRef>
+          </p:style>
+        </p:cxnSp>
+        <p:cxnSp>
+          <p:nvCxnSpPr>
+            <p:cNvPr id="164" name="Straight Connector 163">
+              <a:extLst>
+                <a:ext uri="{FF2B5EF4-FFF2-40B4-BE49-F238E27FC236}">
+                  <a16:creationId xmlns:a16="http://schemas.microsoft.com/office/drawing/2014/main" id="{287D7643-13CE-146A-2BE6-55001860468F}"/>
+                </a:ext>
+              </a:extLst>
+            </p:cNvPr>
+            <p:cNvCxnSpPr>
+              <a:cxnSpLocks/>
+            </p:cNvCxnSpPr>
+            <p:nvPr/>
+          </p:nvCxnSpPr>
+          <p:spPr>
+            <a:xfrm flipH="1">
+              <a:off x="2236115" y="4366531"/>
+              <a:ext cx="671982" cy="0"/>
+            </a:xfrm>
+            <a:prstGeom prst="line">
+              <a:avLst/>
+            </a:prstGeom>
+            <a:ln w="50800">
+              <a:solidFill>
+                <a:schemeClr val="tx1"/>
+              </a:solidFill>
+            </a:ln>
+          </p:spPr>
+          <p:style>
+            <a:lnRef idx="1">
+              <a:schemeClr val="accent1"/>
+            </a:lnRef>
+            <a:fillRef idx="0">
+              <a:schemeClr val="accent1"/>
+            </a:fillRef>
+            <a:effectRef idx="0">
+              <a:schemeClr val="accent1"/>
+            </a:effectRef>
+            <a:fontRef idx="minor">
+              <a:schemeClr val="tx1"/>
+            </a:fontRef>
+          </p:style>
+        </p:cxnSp>
+        <p:cxnSp>
+          <p:nvCxnSpPr>
+            <p:cNvPr id="171" name="Straight Connector 170">
+              <a:extLst>
+                <a:ext uri="{FF2B5EF4-FFF2-40B4-BE49-F238E27FC236}">
+                  <a16:creationId xmlns:a16="http://schemas.microsoft.com/office/drawing/2014/main" id="{872D6FEA-FADF-AF75-DB12-E054373CB99F}"/>
+                </a:ext>
+              </a:extLst>
+            </p:cNvPr>
+            <p:cNvCxnSpPr>
+              <a:cxnSpLocks/>
+            </p:cNvCxnSpPr>
+            <p:nvPr/>
+          </p:nvCxnSpPr>
+          <p:spPr>
+            <a:xfrm>
+              <a:off x="2557083" y="5412657"/>
+              <a:ext cx="0" cy="310159"/>
+            </a:xfrm>
+            <a:prstGeom prst="line">
+              <a:avLst/>
+            </a:prstGeom>
+            <a:ln w="50800">
+              <a:solidFill>
+                <a:schemeClr val="tx1"/>
+              </a:solidFill>
+            </a:ln>
+          </p:spPr>
+          <p:style>
+            <a:lnRef idx="1">
+              <a:schemeClr val="accent1"/>
+            </a:lnRef>
+            <a:fillRef idx="0">
+              <a:schemeClr val="accent1"/>
+            </a:fillRef>
+            <a:effectRef idx="0">
+              <a:schemeClr val="accent1"/>
+            </a:effectRef>
+            <a:fontRef idx="minor">
+              <a:schemeClr val="tx1"/>
+            </a:fontRef>
+          </p:style>
+        </p:cxnSp>
+        <p:cxnSp>
+          <p:nvCxnSpPr>
+            <p:cNvPr id="173" name="Straight Connector 172">
+              <a:extLst>
+                <a:ext uri="{FF2B5EF4-FFF2-40B4-BE49-F238E27FC236}">
+                  <a16:creationId xmlns:a16="http://schemas.microsoft.com/office/drawing/2014/main" id="{4E80F75F-C2FC-B3EA-9FBE-554588B10C42}"/>
+                </a:ext>
+              </a:extLst>
+            </p:cNvPr>
+            <p:cNvCxnSpPr>
+              <a:cxnSpLocks/>
+            </p:cNvCxnSpPr>
+            <p:nvPr/>
+          </p:nvCxnSpPr>
+          <p:spPr>
+            <a:xfrm>
+              <a:off x="2557083" y="4124723"/>
+              <a:ext cx="0" cy="241808"/>
+            </a:xfrm>
+            <a:prstGeom prst="line">
+              <a:avLst/>
+            </a:prstGeom>
+            <a:ln w="50800">
+              <a:solidFill>
+                <a:schemeClr val="tx1"/>
+              </a:solidFill>
+            </a:ln>
+          </p:spPr>
+          <p:style>
+            <a:lnRef idx="1">
+              <a:schemeClr val="accent1"/>
+            </a:lnRef>
+            <a:fillRef idx="0">
+              <a:schemeClr val="accent1"/>
+            </a:fillRef>
+            <a:effectRef idx="0">
+              <a:schemeClr val="accent1"/>
+            </a:effectRef>
+            <a:fontRef idx="minor">
+              <a:schemeClr val="tx1"/>
+            </a:fontRef>
+          </p:style>
+        </p:cxnSp>
+      </p:grpSp>
+      <p:cxnSp>
+        <p:nvCxnSpPr>
+          <p:cNvPr id="178" name="Straight Connector 177">
+            <a:extLst>
+              <a:ext uri="{FF2B5EF4-FFF2-40B4-BE49-F238E27FC236}">
+                <a16:creationId xmlns:a16="http://schemas.microsoft.com/office/drawing/2014/main" id="{1477D660-160B-C1D0-005B-B5F5A36993C5}"/>
+              </a:ext>
+            </a:extLst>
+          </p:cNvPr>
+          <p:cNvCxnSpPr>
+            <a:cxnSpLocks/>
+            <a:stCxn id="43" idx="1"/>
+          </p:cNvCxnSpPr>
+          <p:nvPr/>
+        </p:nvCxnSpPr>
+        <p:spPr>
+          <a:xfrm>
+            <a:off x="4571915" y="6167906"/>
+            <a:ext cx="1724649" cy="0"/>
+          </a:xfrm>
+          <a:prstGeom prst="line">
+            <a:avLst/>
+          </a:prstGeom>
+          <a:ln w="50800">
+            <a:solidFill>
+              <a:schemeClr val="tx1"/>
+            </a:solidFill>
+          </a:ln>
+        </p:spPr>
+        <p:style>
+          <a:lnRef idx="1">
+            <a:schemeClr val="accent1"/>
+          </a:lnRef>
+          <a:fillRef idx="0">
+            <a:schemeClr val="accent1"/>
+          </a:fillRef>
+          <a:effectRef idx="0">
+            <a:schemeClr val="accent1"/>
+          </a:effectRef>
+          <a:fontRef idx="minor">
+            <a:schemeClr val="tx1"/>
+          </a:fontRef>
+        </p:style>
+      </p:cxnSp>
       <p:sp>
         <p:nvSpPr>
           <p:cNvPr id="43" name="Arrow: Pentagon 42">
@@ -4804,9 +7311,9 @@
           <p:nvPr/>
         </p:nvSpPr>
         <p:spPr>
-          <a:xfrm>
-            <a:off x="5648887" y="5039236"/>
-            <a:ext cx="1007226" cy="369332"/>
+          <a:xfrm flipH="1">
+            <a:off x="3584097" y="5983240"/>
+            <a:ext cx="987818" cy="369332"/>
           </a:xfrm>
           <a:prstGeom prst="homePlate">
             <a:avLst/>
@@ -4838,6 +7345,233 @@
           </a:p>
         </p:txBody>
       </p:sp>
+      <p:cxnSp>
+        <p:nvCxnSpPr>
+          <p:cNvPr id="187" name="Straight Connector 186">
+            <a:extLst>
+              <a:ext uri="{FF2B5EF4-FFF2-40B4-BE49-F238E27FC236}">
+                <a16:creationId xmlns:a16="http://schemas.microsoft.com/office/drawing/2014/main" id="{44BC3C4A-4220-EC79-EAE2-898255ACDCD4}"/>
+              </a:ext>
+            </a:extLst>
+          </p:cNvPr>
+          <p:cNvCxnSpPr>
+            <a:cxnSpLocks/>
+          </p:cNvCxnSpPr>
+          <p:nvPr/>
+        </p:nvCxnSpPr>
+        <p:spPr>
+          <a:xfrm flipV="1">
+            <a:off x="3415553" y="3802400"/>
+            <a:ext cx="4661647" cy="5371"/>
+          </a:xfrm>
+          <a:prstGeom prst="line">
+            <a:avLst/>
+          </a:prstGeom>
+          <a:ln w="12700">
+            <a:solidFill>
+              <a:srgbClr val="FF0000"/>
+            </a:solidFill>
+            <a:prstDash val="dash"/>
+          </a:ln>
+        </p:spPr>
+        <p:style>
+          <a:lnRef idx="1">
+            <a:schemeClr val="accent1"/>
+          </a:lnRef>
+          <a:fillRef idx="0">
+            <a:schemeClr val="accent1"/>
+          </a:fillRef>
+          <a:effectRef idx="0">
+            <a:schemeClr val="accent1"/>
+          </a:effectRef>
+          <a:fontRef idx="minor">
+            <a:schemeClr val="tx1"/>
+          </a:fontRef>
+        </p:style>
+      </p:cxnSp>
+      <p:grpSp>
+        <p:nvGrpSpPr>
+          <p:cNvPr id="197" name="Group 196">
+            <a:extLst>
+              <a:ext uri="{FF2B5EF4-FFF2-40B4-BE49-F238E27FC236}">
+                <a16:creationId xmlns:a16="http://schemas.microsoft.com/office/drawing/2014/main" id="{FC9818F1-907D-AECA-AC2D-CB010A69ABF7}"/>
+              </a:ext>
+            </a:extLst>
+          </p:cNvPr>
+          <p:cNvGrpSpPr/>
+          <p:nvPr/>
+        </p:nvGrpSpPr>
+        <p:grpSpPr>
+          <a:xfrm>
+            <a:off x="8058180" y="3377857"/>
+            <a:ext cx="1068314" cy="849086"/>
+            <a:chOff x="2135146" y="3402900"/>
+            <a:chExt cx="1068314" cy="849086"/>
+          </a:xfrm>
+        </p:grpSpPr>
+        <p:sp>
+          <p:nvSpPr>
+            <p:cNvPr id="193" name="TextBox 192">
+              <a:extLst>
+                <a:ext uri="{FF2B5EF4-FFF2-40B4-BE49-F238E27FC236}">
+                  <a16:creationId xmlns:a16="http://schemas.microsoft.com/office/drawing/2014/main" id="{BA742899-67F2-A2FF-8FC9-CD211459E9BD}"/>
+                </a:ext>
+              </a:extLst>
+            </p:cNvPr>
+            <p:cNvSpPr txBox="1"/>
+            <p:nvPr/>
+          </p:nvSpPr>
+          <p:spPr>
+            <a:xfrm>
+              <a:off x="2255971" y="3496543"/>
+              <a:ext cx="947489" cy="369332"/>
+            </a:xfrm>
+            <a:prstGeom prst="rect">
+              <a:avLst/>
+            </a:prstGeom>
+            <a:noFill/>
+          </p:spPr>
+          <p:txBody>
+            <a:bodyPr wrap="square" rtlCol="0">
+              <a:spAutoFit/>
+            </a:bodyPr>
+            <a:lstStyle/>
+            <a:p>
+              <a:r>
+                <a:rPr lang="en-US" dirty="0"/>
+                <a:t>On PCB</a:t>
+              </a:r>
+            </a:p>
+          </p:txBody>
+        </p:sp>
+        <p:sp>
+          <p:nvSpPr>
+            <p:cNvPr id="194" name="TextBox 193">
+              <a:extLst>
+                <a:ext uri="{FF2B5EF4-FFF2-40B4-BE49-F238E27FC236}">
+                  <a16:creationId xmlns:a16="http://schemas.microsoft.com/office/drawing/2014/main" id="{6B0E5CF4-88CA-6D22-6603-742D5003DE74}"/>
+                </a:ext>
+              </a:extLst>
+            </p:cNvPr>
+            <p:cNvSpPr txBox="1"/>
+            <p:nvPr/>
+          </p:nvSpPr>
+          <p:spPr>
+            <a:xfrm>
+              <a:off x="2255971" y="3782061"/>
+              <a:ext cx="947489" cy="369332"/>
+            </a:xfrm>
+            <a:prstGeom prst="rect">
+              <a:avLst/>
+            </a:prstGeom>
+            <a:noFill/>
+          </p:spPr>
+          <p:txBody>
+            <a:bodyPr wrap="square" rtlCol="0">
+              <a:spAutoFit/>
+            </a:bodyPr>
+            <a:lstStyle/>
+            <a:p>
+              <a:r>
+                <a:rPr lang="en-US" dirty="0"/>
+                <a:t>Remote</a:t>
+              </a:r>
+            </a:p>
+          </p:txBody>
+        </p:sp>
+        <p:sp>
+          <p:nvSpPr>
+            <p:cNvPr id="195" name="Arrow: Up 194">
+              <a:extLst>
+                <a:ext uri="{FF2B5EF4-FFF2-40B4-BE49-F238E27FC236}">
+                  <a16:creationId xmlns:a16="http://schemas.microsoft.com/office/drawing/2014/main" id="{A81A1A9F-608D-BD94-4DCA-15B50B3283D6}"/>
+                </a:ext>
+              </a:extLst>
+            </p:cNvPr>
+            <p:cNvSpPr/>
+            <p:nvPr/>
+          </p:nvSpPr>
+          <p:spPr>
+            <a:xfrm>
+              <a:off x="2135146" y="3402900"/>
+              <a:ext cx="219290" cy="378771"/>
+            </a:xfrm>
+            <a:prstGeom prst="upArrow">
+              <a:avLst/>
+            </a:prstGeom>
+          </p:spPr>
+          <p:style>
+            <a:lnRef idx="2">
+              <a:schemeClr val="accent1">
+                <a:shade val="50000"/>
+              </a:schemeClr>
+            </a:lnRef>
+            <a:fillRef idx="1">
+              <a:schemeClr val="accent1"/>
+            </a:fillRef>
+            <a:effectRef idx="0">
+              <a:schemeClr val="accent1"/>
+            </a:effectRef>
+            <a:fontRef idx="minor">
+              <a:schemeClr val="lt1"/>
+            </a:fontRef>
+          </p:style>
+          <p:txBody>
+            <a:bodyPr rtlCol="0" anchor="ctr"/>
+            <a:lstStyle/>
+            <a:p>
+              <a:pPr algn="ctr"/>
+              <a:endParaRPr lang="en-US"/>
+            </a:p>
+          </p:txBody>
+        </p:sp>
+        <p:sp>
+          <p:nvSpPr>
+            <p:cNvPr id="196" name="Arrow: Up 195">
+              <a:extLst>
+                <a:ext uri="{FF2B5EF4-FFF2-40B4-BE49-F238E27FC236}">
+                  <a16:creationId xmlns:a16="http://schemas.microsoft.com/office/drawing/2014/main" id="{976D85FD-5328-082A-BC8D-D61D63645990}"/>
+                </a:ext>
+              </a:extLst>
+            </p:cNvPr>
+            <p:cNvSpPr/>
+            <p:nvPr/>
+          </p:nvSpPr>
+          <p:spPr>
+            <a:xfrm rot="10800000">
+              <a:off x="2144175" y="3873215"/>
+              <a:ext cx="219290" cy="378771"/>
+            </a:xfrm>
+            <a:prstGeom prst="upArrow">
+              <a:avLst/>
+            </a:prstGeom>
+          </p:spPr>
+          <p:style>
+            <a:lnRef idx="2">
+              <a:schemeClr val="accent1">
+                <a:shade val="50000"/>
+              </a:schemeClr>
+            </a:lnRef>
+            <a:fillRef idx="1">
+              <a:schemeClr val="accent1"/>
+            </a:fillRef>
+            <a:effectRef idx="0">
+              <a:schemeClr val="accent1"/>
+            </a:effectRef>
+            <a:fontRef idx="minor">
+              <a:schemeClr val="lt1"/>
+            </a:fontRef>
+          </p:style>
+          <p:txBody>
+            <a:bodyPr rtlCol="0" anchor="ctr"/>
+            <a:lstStyle/>
+            <a:p>
+              <a:pPr algn="ctr"/>
+              <a:endParaRPr lang="en-US"/>
+            </a:p>
+          </p:txBody>
+        </p:sp>
+      </p:grpSp>
     </p:spTree>
     <p:extLst>
       <p:ext uri="{BB962C8B-B14F-4D97-AF65-F5344CB8AC3E}">
